--- a/Lecture/C06 Packages_Plugins.pptx
+++ b/Lecture/C06 Packages_Plugins.pptx
@@ -5,7 +5,7 @@
     <p:sldMasterId id="2147483659" r:id="rId1"/>
   </p:sldMasterIdLst>
   <p:notesMasterIdLst>
-    <p:notesMasterId r:id="rId40"/>
+    <p:notesMasterId r:id="rId38"/>
   </p:notesMasterIdLst>
   <p:sldIdLst>
     <p:sldId id="256" r:id="rId2"/>
@@ -25,37 +25,35 @@
     <p:sldId id="392" r:id="rId16"/>
     <p:sldId id="393" r:id="rId17"/>
     <p:sldId id="394" r:id="rId18"/>
-    <p:sldId id="420" r:id="rId19"/>
-    <p:sldId id="421" r:id="rId20"/>
-    <p:sldId id="370" r:id="rId21"/>
-    <p:sldId id="396" r:id="rId22"/>
-    <p:sldId id="405" r:id="rId23"/>
-    <p:sldId id="397" r:id="rId24"/>
-    <p:sldId id="406" r:id="rId25"/>
-    <p:sldId id="398" r:id="rId26"/>
-    <p:sldId id="422" r:id="rId27"/>
-    <p:sldId id="407" r:id="rId28"/>
-    <p:sldId id="410" r:id="rId29"/>
-    <p:sldId id="423" r:id="rId30"/>
-    <p:sldId id="411" r:id="rId31"/>
-    <p:sldId id="424" r:id="rId32"/>
-    <p:sldId id="412" r:id="rId33"/>
-    <p:sldId id="380" r:id="rId34"/>
-    <p:sldId id="416" r:id="rId35"/>
-    <p:sldId id="417" r:id="rId36"/>
-    <p:sldId id="418" r:id="rId37"/>
-    <p:sldId id="419" r:id="rId38"/>
-    <p:sldId id="298" r:id="rId39"/>
+    <p:sldId id="370" r:id="rId19"/>
+    <p:sldId id="396" r:id="rId20"/>
+    <p:sldId id="405" r:id="rId21"/>
+    <p:sldId id="397" r:id="rId22"/>
+    <p:sldId id="406" r:id="rId23"/>
+    <p:sldId id="398" r:id="rId24"/>
+    <p:sldId id="422" r:id="rId25"/>
+    <p:sldId id="407" r:id="rId26"/>
+    <p:sldId id="410" r:id="rId27"/>
+    <p:sldId id="423" r:id="rId28"/>
+    <p:sldId id="411" r:id="rId29"/>
+    <p:sldId id="424" r:id="rId30"/>
+    <p:sldId id="412" r:id="rId31"/>
+    <p:sldId id="380" r:id="rId32"/>
+    <p:sldId id="416" r:id="rId33"/>
+    <p:sldId id="417" r:id="rId34"/>
+    <p:sldId id="418" r:id="rId35"/>
+    <p:sldId id="419" r:id="rId36"/>
+    <p:sldId id="298" r:id="rId37"/>
   </p:sldIdLst>
   <p:sldSz cx="9144000" cy="5143500" type="screen16x9"/>
   <p:notesSz cx="6858000" cy="9144000"/>
   <p:embeddedFontLst>
     <p:embeddedFont>
       <p:font typeface="Roboto" panose="02000000000000000000" pitchFamily="2" charset="0"/>
-      <p:regular r:id="rId41"/>
-      <p:bold r:id="rId42"/>
-      <p:italic r:id="rId43"/>
-      <p:boldItalic r:id="rId44"/>
+      <p:regular r:id="rId39"/>
+      <p:bold r:id="rId40"/>
+      <p:italic r:id="rId41"/>
+      <p:boldItalic r:id="rId42"/>
     </p:embeddedFont>
   </p:embeddedFontLst>
   <p:defaultTextStyle>
@@ -6920,7 +6918,7 @@
   <p:cSld>
     <p:spTree>
       <p:nvGrpSpPr>
-        <p:cNvPr id="1" name=""/>
+        <p:cNvPr id="1" name="Shape 229"/>
         <p:cNvGrpSpPr/>
         <p:nvPr/>
       </p:nvGrpSpPr>
@@ -6934,92 +6932,48 @@
       </p:grpSpPr>
       <p:sp>
         <p:nvSpPr>
-          <p:cNvPr id="2" name="标题 1">
-            <a:extLst>
-              <a:ext uri="{FF2B5EF4-FFF2-40B4-BE49-F238E27FC236}">
-                <a16:creationId xmlns:a16="http://schemas.microsoft.com/office/drawing/2014/main" id="{72522D84-53B1-9241-B207-E1C382AAA91B}"/>
-              </a:ext>
-            </a:extLst>
-          </p:cNvPr>
-          <p:cNvSpPr>
+          <p:cNvPr id="230" name="Google Shape;230;p35"/>
+          <p:cNvSpPr txBox="1">
             <a:spLocks noGrp="1"/>
           </p:cNvSpPr>
           <p:nvPr>
             <p:ph type="title"/>
           </p:nvPr>
         </p:nvSpPr>
-        <p:spPr/>
-        <p:txBody>
-          <a:bodyPr/>
-          <a:lstStyle/>
-          <a:p>
-            <a:endParaRPr kumimoji="1" lang="zh-CN" altLang="en-US"/>
-          </a:p>
-        </p:txBody>
-      </p:sp>
-      <p:sp>
-        <p:nvSpPr>
-          <p:cNvPr id="6" name="文本占位符 5">
-            <a:extLst>
-              <a:ext uri="{FF2B5EF4-FFF2-40B4-BE49-F238E27FC236}">
-                <a16:creationId xmlns:a16="http://schemas.microsoft.com/office/drawing/2014/main" id="{CC8ED9E8-4917-FF4B-B2DA-5E989B40436C}"/>
-              </a:ext>
-            </a:extLst>
-          </p:cNvPr>
-          <p:cNvSpPr>
-            <a:spLocks noGrp="1"/>
-          </p:cNvSpPr>
-          <p:nvPr>
-            <p:ph type="body" idx="1"/>
-          </p:nvPr>
-        </p:nvSpPr>
-        <p:spPr/>
-        <p:txBody>
-          <a:bodyPr/>
-          <a:lstStyle/>
-          <a:p>
-            <a:r>
-              <a:rPr lang="en-US" altLang="zh-CN" dirty="0"/>
-              <a:t>Error:</a:t>
-            </a:r>
-            <a:endParaRPr lang="zh-CN" altLang="en-US" dirty="0"/>
-          </a:p>
-        </p:txBody>
-      </p:sp>
-      <p:pic>
-        <p:nvPicPr>
-          <p:cNvPr id="7" name="图片 6">
-            <a:extLst>
-              <a:ext uri="{FF2B5EF4-FFF2-40B4-BE49-F238E27FC236}">
-                <a16:creationId xmlns:a16="http://schemas.microsoft.com/office/drawing/2014/main" id="{5AF1CA11-5D4A-5645-BB18-B7DCF0E02A21}"/>
-              </a:ext>
-            </a:extLst>
-          </p:cNvPr>
-          <p:cNvPicPr>
-            <a:picLocks noChangeAspect="1"/>
-          </p:cNvPicPr>
-          <p:nvPr/>
-        </p:nvPicPr>
-        <p:blipFill>
-          <a:blip r:embed="rId2"/>
-          <a:stretch>
-            <a:fillRect/>
-          </a:stretch>
-        </p:blipFill>
         <p:spPr>
           <a:xfrm>
-            <a:off x="610583" y="1798278"/>
-            <a:ext cx="8221717" cy="2982672"/>
+            <a:off x="455700" y="526350"/>
+            <a:ext cx="8232600" cy="4090800"/>
           </a:xfrm>
           <a:prstGeom prst="rect">
             <a:avLst/>
           </a:prstGeom>
         </p:spPr>
-      </p:pic>
+        <p:txBody>
+          <a:bodyPr spcFirstLastPara="1" wrap="square" lIns="91425" tIns="91425" rIns="91425" bIns="91425" anchor="ctr" anchorCtr="0">
+            <a:noAutofit/>
+          </a:bodyPr>
+          <a:lstStyle/>
+          <a:p>
+            <a:pPr algn="ctr"/>
+            <a:r>
+              <a:rPr lang="en" altLang="zh-CN" dirty="0"/>
+              <a:t>Developing </a:t>
+            </a:r>
+            <a:br>
+              <a:rPr lang="en" altLang="zh-CN" dirty="0"/>
+            </a:br>
+            <a:r>
+              <a:rPr lang="en" altLang="zh-CN" dirty="0"/>
+              <a:t>packages &amp; plugins</a:t>
+            </a:r>
+          </a:p>
+        </p:txBody>
+      </p:sp>
     </p:spTree>
     <p:extLst>
       <p:ext uri="{BB962C8B-B14F-4D97-AF65-F5344CB8AC3E}">
-        <p14:creationId xmlns:p14="http://schemas.microsoft.com/office/powerpoint/2010/main" val="3172537436"/>
+        <p14:creationId xmlns:p14="http://schemas.microsoft.com/office/powerpoint/2010/main" val="3968568231"/>
       </p:ext>
     </p:extLst>
   </p:cSld>
@@ -7051,7 +7005,7 @@
           <p:cNvPr id="2" name="标题 1">
             <a:extLst>
               <a:ext uri="{FF2B5EF4-FFF2-40B4-BE49-F238E27FC236}">
-                <a16:creationId xmlns:a16="http://schemas.microsoft.com/office/drawing/2014/main" id="{72522D84-53B1-9241-B207-E1C382AAA91B}"/>
+                <a16:creationId xmlns:a16="http://schemas.microsoft.com/office/drawing/2014/main" id="{62C26891-39B0-5E4A-8C06-70326D8D1C7B}"/>
               </a:ext>
             </a:extLst>
           </p:cNvPr>
@@ -7067,16 +7021,20 @@
           <a:bodyPr/>
           <a:lstStyle/>
           <a:p>
-            <a:endParaRPr kumimoji="1" lang="zh-CN" altLang="en-US"/>
+            <a:r>
+              <a:rPr lang="en" altLang="zh-CN" dirty="0"/>
+              <a:t>Package introduction</a:t>
+            </a:r>
+            <a:endParaRPr kumimoji="1" lang="zh-CN" altLang="en-US" dirty="0"/>
           </a:p>
         </p:txBody>
       </p:sp>
       <p:sp>
         <p:nvSpPr>
-          <p:cNvPr id="6" name="文本占位符 5">
+          <p:cNvPr id="3" name="文本占位符 2">
             <a:extLst>
               <a:ext uri="{FF2B5EF4-FFF2-40B4-BE49-F238E27FC236}">
-                <a16:creationId xmlns:a16="http://schemas.microsoft.com/office/drawing/2014/main" id="{CC8ED9E8-4917-FF4B-B2DA-5E989B40436C}"/>
+                <a16:creationId xmlns:a16="http://schemas.microsoft.com/office/drawing/2014/main" id="{098C936A-31E2-5946-B222-708B893AE10E}"/>
               </a:ext>
             </a:extLst>
           </p:cNvPr>
@@ -7094,101 +7052,48 @@
           <a:p>
             <a:r>
               <a:rPr lang="en" altLang="zh-CN" dirty="0"/>
-              <a:t>Unsound null safety </a:t>
-            </a:r>
-            <a:r>
-              <a:rPr lang="en-US" altLang="zh-CN" dirty="0"/>
-              <a:t>(</a:t>
-            </a:r>
-            <a:r>
-              <a:rPr lang="en-US" altLang="zh-CN" sz="1600" dirty="0">
-                <a:hlinkClick r:id="rId2"/>
-              </a:rPr>
-              <a:t>https://dart.dev/null-safety/unsound-null-safety</a:t>
-            </a:r>
-            <a:r>
-              <a:rPr lang="en-US" altLang="zh-CN" sz="1600" dirty="0"/>
-              <a:t> )</a:t>
-            </a:r>
-            <a:endParaRPr lang="en-US" altLang="zh-CN" dirty="0"/>
+              <a:t>Packages enable the creation of modular code that can be shared easily. </a:t>
+            </a:r>
+          </a:p>
+          <a:p>
+            <a:r>
+              <a:rPr lang="en" altLang="zh-CN" dirty="0"/>
+              <a:t>A minimal package consists of the following:</a:t>
+            </a:r>
           </a:p>
           <a:p>
             <a:pPr lvl="1"/>
             <a:r>
-              <a:rPr lang="en" altLang="zh-CN" dirty="0"/>
-              <a:t>A Dart program can contain some libraries that are </a:t>
-            </a:r>
-            <a:r>
-              <a:rPr lang="en" altLang="zh-CN" dirty="0">
-                <a:hlinkClick r:id="rId3"/>
-              </a:rPr>
-              <a:t>null safe</a:t>
-            </a:r>
-            <a:r>
-              <a:rPr lang="en" altLang="zh-CN" dirty="0"/>
-              <a:t> and some that aren’t.</a:t>
+              <a:rPr lang="en" altLang="zh-CN" b="1" dirty="0" err="1"/>
+              <a:t>pubspec.yaml</a:t>
+            </a:r>
+            <a:r>
+              <a:rPr lang="en-US" altLang="zh-CN" b="1" dirty="0"/>
+              <a:t>: </a:t>
+            </a:r>
+            <a:r>
+              <a:rPr lang="en" altLang="zh-CN" dirty="0"/>
+              <a:t>A metadata file that declares the package name, version, author, and so on.</a:t>
             </a:r>
           </a:p>
           <a:p>
             <a:pPr lvl="1"/>
             <a:r>
-              <a:rPr lang="en" altLang="zh-CN" dirty="0"/>
-              <a:t> These </a:t>
-            </a:r>
-            <a:r>
               <a:rPr lang="en" altLang="zh-CN" b="1" dirty="0"/>
-              <a:t>mixed-version programs</a:t>
-            </a:r>
-            <a:r>
-              <a:rPr lang="en" altLang="zh-CN" dirty="0"/>
-              <a:t> execute with </a:t>
-            </a:r>
-            <a:r>
-              <a:rPr lang="en" altLang="zh-CN" b="1" dirty="0"/>
-              <a:t>unsound null safety</a:t>
-            </a:r>
-            <a:r>
-              <a:rPr lang="en" altLang="zh-CN" dirty="0"/>
-              <a:t>.</a:t>
-            </a:r>
-            <a:endParaRPr lang="zh-CN" altLang="en-US" dirty="0"/>
+              <a:t>Lib: </a:t>
+            </a:r>
+            <a:r>
+              <a:rPr lang="en" altLang="zh-CN" dirty="0"/>
+              <a:t>The lib directory contains the public code in the package, minimally a single &lt;package-name&gt;.dart file.</a:t>
+            </a:r>
+            <a:endParaRPr kumimoji="1" lang="zh-CN" altLang="en-US" dirty="0"/>
           </a:p>
         </p:txBody>
       </p:sp>
-      <p:pic>
-        <p:nvPicPr>
-          <p:cNvPr id="3" name="图片 2">
-            <a:extLst>
-              <a:ext uri="{FF2B5EF4-FFF2-40B4-BE49-F238E27FC236}">
-                <a16:creationId xmlns:a16="http://schemas.microsoft.com/office/drawing/2014/main" id="{50D68435-4131-0B41-A79B-7C85603D3024}"/>
-              </a:ext>
-            </a:extLst>
-          </p:cNvPr>
-          <p:cNvPicPr>
-            <a:picLocks noChangeAspect="1"/>
-          </p:cNvPicPr>
-          <p:nvPr/>
-        </p:nvPicPr>
-        <p:blipFill>
-          <a:blip r:embed="rId4"/>
-          <a:stretch>
-            <a:fillRect/>
-          </a:stretch>
-        </p:blipFill>
-        <p:spPr>
-          <a:xfrm>
-            <a:off x="0" y="2899375"/>
-            <a:ext cx="9144000" cy="1751229"/>
-          </a:xfrm>
-          <a:prstGeom prst="rect">
-            <a:avLst/>
-          </a:prstGeom>
-        </p:spPr>
-      </p:pic>
     </p:spTree>
     <p:extLst>
       <p:ext uri="{BB962C8B-B14F-4D97-AF65-F5344CB8AC3E}">
-        <p14:creationId xmlns:p14="http://schemas.microsoft.com/office/powerpoint/2010/main" val="308262030"/>
+        <p14:creationId xmlns:p14="http://schemas.microsoft.com/office/powerpoint/2010/main" val="498904201"/>
       </p:ext>
     </p:extLst>
   </p:cSld>
@@ -7362,196 +7267,6 @@
   <p:cSld>
     <p:spTree>
       <p:nvGrpSpPr>
-        <p:cNvPr id="1" name="Shape 229"/>
-        <p:cNvGrpSpPr/>
-        <p:nvPr/>
-      </p:nvGrpSpPr>
-      <p:grpSpPr>
-        <a:xfrm>
-          <a:off x="0" y="0"/>
-          <a:ext cx="0" cy="0"/>
-          <a:chOff x="0" y="0"/>
-          <a:chExt cx="0" cy="0"/>
-        </a:xfrm>
-      </p:grpSpPr>
-      <p:sp>
-        <p:nvSpPr>
-          <p:cNvPr id="230" name="Google Shape;230;p35"/>
-          <p:cNvSpPr txBox="1">
-            <a:spLocks noGrp="1"/>
-          </p:cNvSpPr>
-          <p:nvPr>
-            <p:ph type="title"/>
-          </p:nvPr>
-        </p:nvSpPr>
-        <p:spPr>
-          <a:xfrm>
-            <a:off x="455700" y="526350"/>
-            <a:ext cx="8232600" cy="4090800"/>
-          </a:xfrm>
-          <a:prstGeom prst="rect">
-            <a:avLst/>
-          </a:prstGeom>
-        </p:spPr>
-        <p:txBody>
-          <a:bodyPr spcFirstLastPara="1" wrap="square" lIns="91425" tIns="91425" rIns="91425" bIns="91425" anchor="ctr" anchorCtr="0">
-            <a:noAutofit/>
-          </a:bodyPr>
-          <a:lstStyle/>
-          <a:p>
-            <a:pPr algn="ctr"/>
-            <a:r>
-              <a:rPr lang="en" altLang="zh-CN" dirty="0"/>
-              <a:t>Developing </a:t>
-            </a:r>
-            <a:br>
-              <a:rPr lang="en" altLang="zh-CN" dirty="0"/>
-            </a:br>
-            <a:r>
-              <a:rPr lang="en" altLang="zh-CN" dirty="0"/>
-              <a:t>packages &amp; plugins</a:t>
-            </a:r>
-          </a:p>
-        </p:txBody>
-      </p:sp>
-    </p:spTree>
-    <p:extLst>
-      <p:ext uri="{BB962C8B-B14F-4D97-AF65-F5344CB8AC3E}">
-        <p14:creationId xmlns:p14="http://schemas.microsoft.com/office/powerpoint/2010/main" val="3968568231"/>
-      </p:ext>
-    </p:extLst>
-  </p:cSld>
-  <p:clrMapOvr>
-    <a:masterClrMapping/>
-  </p:clrMapOvr>
-</p:sld>
-</file>
-
-<file path=ppt/slides/slide21.xml><?xml version="1.0" encoding="utf-8"?>
-<p:sld xmlns:a="http://schemas.openxmlformats.org/drawingml/2006/main" xmlns:r="http://schemas.openxmlformats.org/officeDocument/2006/relationships" xmlns:p="http://schemas.openxmlformats.org/presentationml/2006/main">
-  <p:cSld>
-    <p:spTree>
-      <p:nvGrpSpPr>
-        <p:cNvPr id="1" name=""/>
-        <p:cNvGrpSpPr/>
-        <p:nvPr/>
-      </p:nvGrpSpPr>
-      <p:grpSpPr>
-        <a:xfrm>
-          <a:off x="0" y="0"/>
-          <a:ext cx="0" cy="0"/>
-          <a:chOff x="0" y="0"/>
-          <a:chExt cx="0" cy="0"/>
-        </a:xfrm>
-      </p:grpSpPr>
-      <p:sp>
-        <p:nvSpPr>
-          <p:cNvPr id="2" name="标题 1">
-            <a:extLst>
-              <a:ext uri="{FF2B5EF4-FFF2-40B4-BE49-F238E27FC236}">
-                <a16:creationId xmlns:a16="http://schemas.microsoft.com/office/drawing/2014/main" id="{62C26891-39B0-5E4A-8C06-70326D8D1C7B}"/>
-              </a:ext>
-            </a:extLst>
-          </p:cNvPr>
-          <p:cNvSpPr>
-            <a:spLocks noGrp="1"/>
-          </p:cNvSpPr>
-          <p:nvPr>
-            <p:ph type="title"/>
-          </p:nvPr>
-        </p:nvSpPr>
-        <p:spPr/>
-        <p:txBody>
-          <a:bodyPr/>
-          <a:lstStyle/>
-          <a:p>
-            <a:r>
-              <a:rPr lang="en" altLang="zh-CN" dirty="0"/>
-              <a:t>Package introduction</a:t>
-            </a:r>
-            <a:endParaRPr kumimoji="1" lang="zh-CN" altLang="en-US" dirty="0"/>
-          </a:p>
-        </p:txBody>
-      </p:sp>
-      <p:sp>
-        <p:nvSpPr>
-          <p:cNvPr id="3" name="文本占位符 2">
-            <a:extLst>
-              <a:ext uri="{FF2B5EF4-FFF2-40B4-BE49-F238E27FC236}">
-                <a16:creationId xmlns:a16="http://schemas.microsoft.com/office/drawing/2014/main" id="{098C936A-31E2-5946-B222-708B893AE10E}"/>
-              </a:ext>
-            </a:extLst>
-          </p:cNvPr>
-          <p:cNvSpPr>
-            <a:spLocks noGrp="1"/>
-          </p:cNvSpPr>
-          <p:nvPr>
-            <p:ph type="body" idx="1"/>
-          </p:nvPr>
-        </p:nvSpPr>
-        <p:spPr/>
-        <p:txBody>
-          <a:bodyPr/>
-          <a:lstStyle/>
-          <a:p>
-            <a:r>
-              <a:rPr lang="en" altLang="zh-CN" dirty="0"/>
-              <a:t>Packages enable the creation of modular code that can be shared easily. </a:t>
-            </a:r>
-          </a:p>
-          <a:p>
-            <a:r>
-              <a:rPr lang="en" altLang="zh-CN" dirty="0"/>
-              <a:t>A minimal package consists of the following:</a:t>
-            </a:r>
-          </a:p>
-          <a:p>
-            <a:pPr lvl="1"/>
-            <a:r>
-              <a:rPr lang="en" altLang="zh-CN" b="1" dirty="0" err="1"/>
-              <a:t>pubspec.yaml</a:t>
-            </a:r>
-            <a:r>
-              <a:rPr lang="en-US" altLang="zh-CN" b="1" dirty="0"/>
-              <a:t>: </a:t>
-            </a:r>
-            <a:r>
-              <a:rPr lang="en" altLang="zh-CN" dirty="0"/>
-              <a:t>A metadata file that declares the package name, version, author, and so on.</a:t>
-            </a:r>
-          </a:p>
-          <a:p>
-            <a:pPr lvl="1"/>
-            <a:r>
-              <a:rPr lang="en" altLang="zh-CN" b="1" dirty="0"/>
-              <a:t>Lib: </a:t>
-            </a:r>
-            <a:r>
-              <a:rPr lang="en" altLang="zh-CN" dirty="0"/>
-              <a:t>The lib directory contains the public code in the package, minimally a single &lt;package-name&gt;.dart file.</a:t>
-            </a:r>
-            <a:endParaRPr kumimoji="1" lang="zh-CN" altLang="en-US" dirty="0"/>
-          </a:p>
-        </p:txBody>
-      </p:sp>
-    </p:spTree>
-    <p:extLst>
-      <p:ext uri="{BB962C8B-B14F-4D97-AF65-F5344CB8AC3E}">
-        <p14:creationId xmlns:p14="http://schemas.microsoft.com/office/powerpoint/2010/main" val="498904201"/>
-      </p:ext>
-    </p:extLst>
-  </p:cSld>
-  <p:clrMapOvr>
-    <a:masterClrMapping/>
-  </p:clrMapOvr>
-</p:sld>
-</file>
-
-<file path=ppt/slides/slide22.xml><?xml version="1.0" encoding="utf-8"?>
-<p:sld xmlns:a="http://schemas.openxmlformats.org/drawingml/2006/main" xmlns:r="http://schemas.openxmlformats.org/officeDocument/2006/relationships" xmlns:p="http://schemas.openxmlformats.org/presentationml/2006/main">
-  <p:cSld>
-    <p:spTree>
-      <p:nvGrpSpPr>
         <p:cNvPr id="1" name=""/>
         <p:cNvGrpSpPr/>
         <p:nvPr/>
@@ -7672,7 +7387,7 @@
 </p:sld>
 </file>
 
-<file path=ppt/slides/slide23.xml><?xml version="1.0" encoding="utf-8"?>
+<file path=ppt/slides/slide21.xml><?xml version="1.0" encoding="utf-8"?>
 <p:sld xmlns:a="http://schemas.openxmlformats.org/drawingml/2006/main" xmlns:r="http://schemas.openxmlformats.org/officeDocument/2006/relationships" xmlns:p="http://schemas.openxmlformats.org/presentationml/2006/main">
   <p:cSld>
     <p:spTree>
@@ -7795,7 +7510,7 @@
 </p:sld>
 </file>
 
-<file path=ppt/slides/slide24.xml><?xml version="1.0" encoding="utf-8"?>
+<file path=ppt/slides/slide22.xml><?xml version="1.0" encoding="utf-8"?>
 <p:sld xmlns:a="http://schemas.openxmlformats.org/drawingml/2006/main" xmlns:r="http://schemas.openxmlformats.org/officeDocument/2006/relationships" xmlns:p="http://schemas.openxmlformats.org/presentationml/2006/main">
   <p:cSld>
     <p:spTree>
@@ -7927,7 +7642,7 @@
 </p:sld>
 </file>
 
-<file path=ppt/slides/slide25.xml><?xml version="1.0" encoding="utf-8"?>
+<file path=ppt/slides/slide23.xml><?xml version="1.0" encoding="utf-8"?>
 <p:sld xmlns:a="http://schemas.openxmlformats.org/drawingml/2006/main" xmlns:r="http://schemas.openxmlformats.org/officeDocument/2006/relationships" xmlns:p="http://schemas.openxmlformats.org/presentationml/2006/main">
   <p:cSld>
     <p:spTree>
@@ -7965,6 +7680,10 @@
           <a:bodyPr/>
           <a:lstStyle/>
           <a:p>
+            <a:r>
+              <a:rPr lang="en" altLang="zh-CN" dirty="0"/>
+              <a:t>Developing plugin packages</a:t>
+            </a:r>
             <a:endParaRPr kumimoji="1" lang="zh-CN" altLang="en-US" dirty="0"/>
           </a:p>
         </p:txBody>
@@ -7990,15 +7709,6 @@
           <a:bodyPr/>
           <a:lstStyle/>
           <a:p>
-            <a:pPr marL="114300" indent="0">
-              <a:buNone/>
-            </a:pPr>
-            <a:r>
-              <a:rPr lang="en" altLang="zh-CN" dirty="0"/>
-              <a:t>Developing plugin packages</a:t>
-            </a:r>
-          </a:p>
-          <a:p>
             <a:r>
               <a:rPr lang="en" altLang="zh-CN" dirty="0"/>
               <a:t>If you want to develop a package that calls into platform-specific APIs, you need to develop a plugin package.</a:t>
@@ -8035,7 +7745,7 @@
 </p:sld>
 </file>
 
-<file path=ppt/slides/slide26.xml><?xml version="1.0" encoding="utf-8"?>
+<file path=ppt/slides/slide24.xml><?xml version="1.0" encoding="utf-8"?>
 <p:sld xmlns:a="http://schemas.openxmlformats.org/drawingml/2006/main" xmlns:r="http://schemas.openxmlformats.org/officeDocument/2006/relationships" xmlns:p="http://schemas.openxmlformats.org/presentationml/2006/main">
   <p:cSld>
     <p:spTree>
@@ -8187,7 +7897,7 @@
 </p:sld>
 </file>
 
-<file path=ppt/slides/slide27.xml><?xml version="1.0" encoding="utf-8"?>
+<file path=ppt/slides/slide25.xml><?xml version="1.0" encoding="utf-8"?>
 <p:sld xmlns:a="http://schemas.openxmlformats.org/drawingml/2006/main" xmlns:r="http://schemas.openxmlformats.org/officeDocument/2006/relationships" xmlns:p="http://schemas.openxmlformats.org/presentationml/2006/main">
   <p:cSld>
     <p:spTree>
@@ -8286,7 +7996,7 @@
 </p:sld>
 </file>
 
-<file path=ppt/slides/slide28.xml><?xml version="1.0" encoding="utf-8"?>
+<file path=ppt/slides/slide26.xml><?xml version="1.0" encoding="utf-8"?>
 <p:sld xmlns:a="http://schemas.openxmlformats.org/drawingml/2006/main" xmlns:r="http://schemas.openxmlformats.org/officeDocument/2006/relationships" xmlns:p="http://schemas.openxmlformats.org/presentationml/2006/main">
   <p:cSld>
     <p:spTree>
@@ -8446,7 +8156,7 @@
 </p:sld>
 </file>
 
-<file path=ppt/slides/slide29.xml><?xml version="1.0" encoding="utf-8"?>
+<file path=ppt/slides/slide27.xml><?xml version="1.0" encoding="utf-8"?>
 <p:sld xmlns:a="http://schemas.openxmlformats.org/drawingml/2006/main" xmlns:r="http://schemas.openxmlformats.org/officeDocument/2006/relationships" xmlns:p="http://schemas.openxmlformats.org/presentationml/2006/main">
   <p:cSld>
     <p:spTree>
@@ -8600,6 +8310,349 @@
     <p:extLst>
       <p:ext uri="{BB962C8B-B14F-4D97-AF65-F5344CB8AC3E}">
         <p14:creationId xmlns:p14="http://schemas.microsoft.com/office/powerpoint/2010/main" val="2783383752"/>
+      </p:ext>
+    </p:extLst>
+  </p:cSld>
+  <p:clrMapOvr>
+    <a:masterClrMapping/>
+  </p:clrMapOvr>
+</p:sld>
+</file>
+
+<file path=ppt/slides/slide28.xml><?xml version="1.0" encoding="utf-8"?>
+<p:sld xmlns:a="http://schemas.openxmlformats.org/drawingml/2006/main" xmlns:r="http://schemas.openxmlformats.org/officeDocument/2006/relationships" xmlns:p="http://schemas.openxmlformats.org/presentationml/2006/main">
+  <p:cSld>
+    <p:spTree>
+      <p:nvGrpSpPr>
+        <p:cNvPr id="1" name=""/>
+        <p:cNvGrpSpPr/>
+        <p:nvPr/>
+      </p:nvGrpSpPr>
+      <p:grpSpPr>
+        <a:xfrm>
+          <a:off x="0" y="0"/>
+          <a:ext cx="0" cy="0"/>
+          <a:chOff x="0" y="0"/>
+          <a:chExt cx="0" cy="0"/>
+        </a:xfrm>
+      </p:grpSpPr>
+      <p:sp>
+        <p:nvSpPr>
+          <p:cNvPr id="2" name="标题 1">
+            <a:extLst>
+              <a:ext uri="{FF2B5EF4-FFF2-40B4-BE49-F238E27FC236}">
+                <a16:creationId xmlns:a16="http://schemas.microsoft.com/office/drawing/2014/main" id="{D04CD191-0B91-EE4C-BB7D-F7A05E68CF15}"/>
+              </a:ext>
+            </a:extLst>
+          </p:cNvPr>
+          <p:cNvSpPr>
+            <a:spLocks noGrp="1"/>
+          </p:cNvSpPr>
+          <p:nvPr>
+            <p:ph type="title"/>
+          </p:nvPr>
+        </p:nvSpPr>
+        <p:spPr/>
+        <p:txBody>
+          <a:bodyPr/>
+          <a:lstStyle/>
+          <a:p>
+            <a:endParaRPr kumimoji="1" lang="zh-CN" altLang="en-US"/>
+          </a:p>
+        </p:txBody>
+      </p:sp>
+      <p:sp>
+        <p:nvSpPr>
+          <p:cNvPr id="3" name="文本占位符 2">
+            <a:extLst>
+              <a:ext uri="{FF2B5EF4-FFF2-40B4-BE49-F238E27FC236}">
+                <a16:creationId xmlns:a16="http://schemas.microsoft.com/office/drawing/2014/main" id="{0C8E8DEF-2016-6047-B678-7ADE8FEA3567}"/>
+              </a:ext>
+            </a:extLst>
+          </p:cNvPr>
+          <p:cNvSpPr>
+            <a:spLocks noGrp="1"/>
+          </p:cNvSpPr>
+          <p:nvPr>
+            <p:ph type="body" idx="1"/>
+          </p:nvPr>
+        </p:nvSpPr>
+        <p:spPr/>
+        <p:txBody>
+          <a:bodyPr/>
+          <a:lstStyle/>
+          <a:p>
+            <a:pPr marL="114300" indent="0">
+              <a:buNone/>
+            </a:pPr>
+            <a:r>
+              <a:rPr lang="en" altLang="zh-CN" sz="1800" dirty="0"/>
+              <a:t>Step 2: Implement the package</a:t>
+            </a:r>
+          </a:p>
+          <a:p>
+            <a:r>
+              <a:rPr lang="en" altLang="zh-CN" sz="1800" dirty="0"/>
+              <a:t>Step 2a: Define the package API (.dart)</a:t>
+            </a:r>
+          </a:p>
+          <a:p>
+            <a:pPr lvl="1"/>
+            <a:r>
+              <a:rPr lang="en" altLang="zh-CN" sz="1200" dirty="0"/>
+              <a:t>The API of the plugin package is defined in Dart code. Open the main hello/ folder in your favorite </a:t>
+            </a:r>
+            <a:r>
+              <a:rPr lang="en" altLang="zh-CN" sz="1200" dirty="0">
+                <a:hlinkClick r:id="rId2"/>
+              </a:rPr>
+              <a:t>Flutter editor</a:t>
+            </a:r>
+            <a:r>
+              <a:rPr lang="en" altLang="zh-CN" sz="1200" dirty="0"/>
+              <a:t>. Locate the file lib/</a:t>
+            </a:r>
+            <a:r>
+              <a:rPr lang="en" altLang="zh-CN" sz="1200" dirty="0" err="1"/>
+              <a:t>hello.dart</a:t>
+            </a:r>
+            <a:r>
+              <a:rPr lang="en" altLang="zh-CN" sz="1200" dirty="0"/>
+              <a:t>.</a:t>
+            </a:r>
+          </a:p>
+          <a:p>
+            <a:r>
+              <a:rPr lang="en" altLang="zh-CN" sz="1800" dirty="0"/>
+              <a:t>Step 2b: Add Android platform code (.</a:t>
+            </a:r>
+            <a:r>
+              <a:rPr lang="en" altLang="zh-CN" sz="1800" dirty="0" err="1"/>
+              <a:t>kt</a:t>
+            </a:r>
+            <a:r>
+              <a:rPr lang="en" altLang="zh-CN" sz="1800" dirty="0"/>
+              <a:t>/.java)</a:t>
+            </a:r>
+          </a:p>
+          <a:p>
+            <a:pPr lvl="1"/>
+            <a:r>
+              <a:rPr lang="en" altLang="zh-CN" sz="1200" dirty="0"/>
+              <a:t>We recommend you edit the Android code using Android Studio.</a:t>
+            </a:r>
+          </a:p>
+          <a:p>
+            <a:r>
+              <a:rPr lang="en" altLang="zh-CN" sz="1800" dirty="0"/>
+              <a:t>Step 2c: Add iOS platform code (.swift/.</a:t>
+            </a:r>
+            <a:r>
+              <a:rPr lang="en" altLang="zh-CN" sz="1800" dirty="0" err="1"/>
+              <a:t>h+.m</a:t>
+            </a:r>
+            <a:r>
+              <a:rPr lang="en" altLang="zh-CN" sz="1800" dirty="0"/>
+              <a:t>)</a:t>
+            </a:r>
+          </a:p>
+          <a:p>
+            <a:pPr lvl="1"/>
+            <a:r>
+              <a:rPr lang="en" altLang="zh-CN" sz="1200" dirty="0"/>
+              <a:t>We recommend you edit the iOS code using </a:t>
+            </a:r>
+            <a:r>
+              <a:rPr lang="en" altLang="zh-CN" sz="1200" dirty="0" err="1"/>
+              <a:t>Xcode</a:t>
+            </a:r>
+            <a:r>
+              <a:rPr lang="en" altLang="zh-CN" sz="1200" dirty="0"/>
+              <a:t>.</a:t>
+            </a:r>
+          </a:p>
+          <a:p>
+            <a:r>
+              <a:rPr lang="en" altLang="zh-CN" sz="1800" dirty="0"/>
+              <a:t>Step 2d: Connect the API and the platform code</a:t>
+            </a:r>
+          </a:p>
+          <a:p>
+            <a:pPr lvl="1"/>
+            <a:r>
+              <a:rPr lang="en" altLang="zh-CN" sz="1200" dirty="0"/>
+              <a:t>Finally, you need to connect the API written in Dart code with the platform-specific implementations. </a:t>
+            </a:r>
+          </a:p>
+        </p:txBody>
+      </p:sp>
+    </p:spTree>
+    <p:extLst>
+      <p:ext uri="{BB962C8B-B14F-4D97-AF65-F5344CB8AC3E}">
+        <p14:creationId xmlns:p14="http://schemas.microsoft.com/office/powerpoint/2010/main" val="578070851"/>
+      </p:ext>
+    </p:extLst>
+  </p:cSld>
+  <p:clrMapOvr>
+    <a:masterClrMapping/>
+  </p:clrMapOvr>
+</p:sld>
+</file>
+
+<file path=ppt/slides/slide29.xml><?xml version="1.0" encoding="utf-8"?>
+<p:sld xmlns:a="http://schemas.openxmlformats.org/drawingml/2006/main" xmlns:r="http://schemas.openxmlformats.org/officeDocument/2006/relationships" xmlns:p="http://schemas.openxmlformats.org/presentationml/2006/main">
+  <p:cSld>
+    <p:spTree>
+      <p:nvGrpSpPr>
+        <p:cNvPr id="1" name=""/>
+        <p:cNvGrpSpPr/>
+        <p:nvPr/>
+      </p:nvGrpSpPr>
+      <p:grpSpPr>
+        <a:xfrm>
+          <a:off x="0" y="0"/>
+          <a:ext cx="0" cy="0"/>
+          <a:chOff x="0" y="0"/>
+          <a:chExt cx="0" cy="0"/>
+        </a:xfrm>
+      </p:grpSpPr>
+      <p:sp>
+        <p:nvSpPr>
+          <p:cNvPr id="2" name="标题 1">
+            <a:extLst>
+              <a:ext uri="{FF2B5EF4-FFF2-40B4-BE49-F238E27FC236}">
+                <a16:creationId xmlns:a16="http://schemas.microsoft.com/office/drawing/2014/main" id="{5B4C780E-1FCA-F140-BF08-6262DBAE7EC8}"/>
+              </a:ext>
+            </a:extLst>
+          </p:cNvPr>
+          <p:cNvSpPr>
+            <a:spLocks noGrp="1"/>
+          </p:cNvSpPr>
+          <p:nvPr>
+            <p:ph type="title"/>
+          </p:nvPr>
+        </p:nvSpPr>
+        <p:spPr/>
+        <p:txBody>
+          <a:bodyPr/>
+          <a:lstStyle/>
+          <a:p>
+            <a:r>
+              <a:rPr lang="en" altLang="zh-CN" dirty="0"/>
+              <a:t>Adding documentation</a:t>
+            </a:r>
+          </a:p>
+        </p:txBody>
+      </p:sp>
+      <p:sp>
+        <p:nvSpPr>
+          <p:cNvPr id="3" name="文本占位符 2">
+            <a:extLst>
+              <a:ext uri="{FF2B5EF4-FFF2-40B4-BE49-F238E27FC236}">
+                <a16:creationId xmlns:a16="http://schemas.microsoft.com/office/drawing/2014/main" id="{4F329FC9-745C-CA49-9F73-344DBED6C2CA}"/>
+              </a:ext>
+            </a:extLst>
+          </p:cNvPr>
+          <p:cNvSpPr>
+            <a:spLocks noGrp="1"/>
+          </p:cNvSpPr>
+          <p:nvPr>
+            <p:ph type="body" idx="1"/>
+          </p:nvPr>
+        </p:nvSpPr>
+        <p:spPr/>
+        <p:txBody>
+          <a:bodyPr/>
+          <a:lstStyle/>
+          <a:p>
+            <a:pPr marL="114300" indent="0">
+              <a:buNone/>
+            </a:pPr>
+            <a:r>
+              <a:rPr lang="en" altLang="zh-CN" dirty="0"/>
+              <a:t>It is recommended practice to add the following documentation to all packages:</a:t>
+            </a:r>
+          </a:p>
+          <a:p>
+            <a:r>
+              <a:rPr lang="en" altLang="zh-CN" dirty="0"/>
+              <a:t>A </a:t>
+            </a:r>
+            <a:r>
+              <a:rPr lang="en" altLang="zh-CN" dirty="0" err="1">
+                <a:solidFill>
+                  <a:schemeClr val="accent4"/>
+                </a:solidFill>
+              </a:rPr>
+              <a:t>README.md</a:t>
+            </a:r>
+            <a:r>
+              <a:rPr lang="en" altLang="zh-CN" dirty="0">
+                <a:solidFill>
+                  <a:schemeClr val="accent4"/>
+                </a:solidFill>
+              </a:rPr>
+              <a:t> </a:t>
+            </a:r>
+            <a:r>
+              <a:rPr lang="en" altLang="zh-CN" dirty="0"/>
+              <a:t>file that introduces the package</a:t>
+            </a:r>
+          </a:p>
+          <a:p>
+            <a:r>
+              <a:rPr lang="en" altLang="zh-CN" dirty="0"/>
+              <a:t>A </a:t>
+            </a:r>
+            <a:r>
+              <a:rPr lang="en" altLang="zh-CN" dirty="0" err="1">
+                <a:solidFill>
+                  <a:schemeClr val="accent4"/>
+                </a:solidFill>
+              </a:rPr>
+              <a:t>CHANGELOG.md</a:t>
+            </a:r>
+            <a:r>
+              <a:rPr lang="en" altLang="zh-CN" dirty="0">
+                <a:solidFill>
+                  <a:schemeClr val="accent4"/>
+                </a:solidFill>
+              </a:rPr>
+              <a:t> </a:t>
+            </a:r>
+            <a:r>
+              <a:rPr lang="en" altLang="zh-CN" dirty="0"/>
+              <a:t>file that documents changes in each version</a:t>
+            </a:r>
+          </a:p>
+          <a:p>
+            <a:r>
+              <a:rPr lang="en" altLang="zh-CN" dirty="0"/>
+              <a:t>A </a:t>
+            </a:r>
+            <a:r>
+              <a:rPr lang="en" altLang="zh-CN" dirty="0">
+                <a:hlinkClick r:id="rId2"/>
+              </a:rPr>
+              <a:t>LICENSE</a:t>
+            </a:r>
+            <a:r>
+              <a:rPr lang="en" altLang="zh-CN" dirty="0"/>
+              <a:t> file containing the terms under which the package is licensed</a:t>
+            </a:r>
+          </a:p>
+          <a:p>
+            <a:r>
+              <a:rPr lang="en" altLang="zh-CN" dirty="0"/>
+              <a:t>API documentation for all public APIs (see below for details)</a:t>
+            </a:r>
+          </a:p>
+        </p:txBody>
+      </p:sp>
+    </p:spTree>
+    <p:extLst>
+      <p:ext uri="{BB962C8B-B14F-4D97-AF65-F5344CB8AC3E}">
+        <p14:creationId xmlns:p14="http://schemas.microsoft.com/office/powerpoint/2010/main" val="2764098195"/>
       </p:ext>
     </p:extLst>
   </p:cSld>
@@ -8737,349 +8790,6 @@
           <p:cNvPr id="2" name="标题 1">
             <a:extLst>
               <a:ext uri="{FF2B5EF4-FFF2-40B4-BE49-F238E27FC236}">
-                <a16:creationId xmlns:a16="http://schemas.microsoft.com/office/drawing/2014/main" id="{D04CD191-0B91-EE4C-BB7D-F7A05E68CF15}"/>
-              </a:ext>
-            </a:extLst>
-          </p:cNvPr>
-          <p:cNvSpPr>
-            <a:spLocks noGrp="1"/>
-          </p:cNvSpPr>
-          <p:nvPr>
-            <p:ph type="title"/>
-          </p:nvPr>
-        </p:nvSpPr>
-        <p:spPr/>
-        <p:txBody>
-          <a:bodyPr/>
-          <a:lstStyle/>
-          <a:p>
-            <a:endParaRPr kumimoji="1" lang="zh-CN" altLang="en-US"/>
-          </a:p>
-        </p:txBody>
-      </p:sp>
-      <p:sp>
-        <p:nvSpPr>
-          <p:cNvPr id="3" name="文本占位符 2">
-            <a:extLst>
-              <a:ext uri="{FF2B5EF4-FFF2-40B4-BE49-F238E27FC236}">
-                <a16:creationId xmlns:a16="http://schemas.microsoft.com/office/drawing/2014/main" id="{0C8E8DEF-2016-6047-B678-7ADE8FEA3567}"/>
-              </a:ext>
-            </a:extLst>
-          </p:cNvPr>
-          <p:cNvSpPr>
-            <a:spLocks noGrp="1"/>
-          </p:cNvSpPr>
-          <p:nvPr>
-            <p:ph type="body" idx="1"/>
-          </p:nvPr>
-        </p:nvSpPr>
-        <p:spPr/>
-        <p:txBody>
-          <a:bodyPr/>
-          <a:lstStyle/>
-          <a:p>
-            <a:pPr marL="114300" indent="0">
-              <a:buNone/>
-            </a:pPr>
-            <a:r>
-              <a:rPr lang="en" altLang="zh-CN" sz="1800" dirty="0"/>
-              <a:t>Step 2: Implement the package</a:t>
-            </a:r>
-          </a:p>
-          <a:p>
-            <a:r>
-              <a:rPr lang="en" altLang="zh-CN" sz="1800" dirty="0"/>
-              <a:t>Step 2a: Define the package API (.dart)</a:t>
-            </a:r>
-          </a:p>
-          <a:p>
-            <a:pPr lvl="1"/>
-            <a:r>
-              <a:rPr lang="en" altLang="zh-CN" sz="1200" dirty="0"/>
-              <a:t>The API of the plugin package is defined in Dart code. Open the main hello/ folder in your favorite </a:t>
-            </a:r>
-            <a:r>
-              <a:rPr lang="en" altLang="zh-CN" sz="1200" dirty="0">
-                <a:hlinkClick r:id="rId2"/>
-              </a:rPr>
-              <a:t>Flutter editor</a:t>
-            </a:r>
-            <a:r>
-              <a:rPr lang="en" altLang="zh-CN" sz="1200" dirty="0"/>
-              <a:t>. Locate the file lib/</a:t>
-            </a:r>
-            <a:r>
-              <a:rPr lang="en" altLang="zh-CN" sz="1200" dirty="0" err="1"/>
-              <a:t>hello.dart</a:t>
-            </a:r>
-            <a:r>
-              <a:rPr lang="en" altLang="zh-CN" sz="1200" dirty="0"/>
-              <a:t>.</a:t>
-            </a:r>
-          </a:p>
-          <a:p>
-            <a:r>
-              <a:rPr lang="en" altLang="zh-CN" sz="1800" dirty="0"/>
-              <a:t>Step 2b: Add Android platform code (.</a:t>
-            </a:r>
-            <a:r>
-              <a:rPr lang="en" altLang="zh-CN" sz="1800" dirty="0" err="1"/>
-              <a:t>kt</a:t>
-            </a:r>
-            <a:r>
-              <a:rPr lang="en" altLang="zh-CN" sz="1800" dirty="0"/>
-              <a:t>/.java)</a:t>
-            </a:r>
-          </a:p>
-          <a:p>
-            <a:pPr lvl="1"/>
-            <a:r>
-              <a:rPr lang="en" altLang="zh-CN" sz="1200" dirty="0"/>
-              <a:t>We recommend you edit the Android code using Android Studio.</a:t>
-            </a:r>
-          </a:p>
-          <a:p>
-            <a:r>
-              <a:rPr lang="en" altLang="zh-CN" sz="1800" dirty="0"/>
-              <a:t>Step 2c: Add iOS platform code (.swift/.</a:t>
-            </a:r>
-            <a:r>
-              <a:rPr lang="en" altLang="zh-CN" sz="1800" dirty="0" err="1"/>
-              <a:t>h+.m</a:t>
-            </a:r>
-            <a:r>
-              <a:rPr lang="en" altLang="zh-CN" sz="1800" dirty="0"/>
-              <a:t>)</a:t>
-            </a:r>
-          </a:p>
-          <a:p>
-            <a:pPr lvl="1"/>
-            <a:r>
-              <a:rPr lang="en" altLang="zh-CN" sz="1200" dirty="0"/>
-              <a:t>We recommend you edit the iOS code using </a:t>
-            </a:r>
-            <a:r>
-              <a:rPr lang="en" altLang="zh-CN" sz="1200" dirty="0" err="1"/>
-              <a:t>Xcode</a:t>
-            </a:r>
-            <a:r>
-              <a:rPr lang="en" altLang="zh-CN" sz="1200" dirty="0"/>
-              <a:t>.</a:t>
-            </a:r>
-          </a:p>
-          <a:p>
-            <a:r>
-              <a:rPr lang="en" altLang="zh-CN" sz="1800" dirty="0"/>
-              <a:t>Step 2d: Connect the API and the platform code</a:t>
-            </a:r>
-          </a:p>
-          <a:p>
-            <a:pPr lvl="1"/>
-            <a:r>
-              <a:rPr lang="en" altLang="zh-CN" sz="1200" dirty="0"/>
-              <a:t>Finally, you need to connect the API written in Dart code with the platform-specific implementations. </a:t>
-            </a:r>
-          </a:p>
-        </p:txBody>
-      </p:sp>
-    </p:spTree>
-    <p:extLst>
-      <p:ext uri="{BB962C8B-B14F-4D97-AF65-F5344CB8AC3E}">
-        <p14:creationId xmlns:p14="http://schemas.microsoft.com/office/powerpoint/2010/main" val="578070851"/>
-      </p:ext>
-    </p:extLst>
-  </p:cSld>
-  <p:clrMapOvr>
-    <a:masterClrMapping/>
-  </p:clrMapOvr>
-</p:sld>
-</file>
-
-<file path=ppt/slides/slide31.xml><?xml version="1.0" encoding="utf-8"?>
-<p:sld xmlns:a="http://schemas.openxmlformats.org/drawingml/2006/main" xmlns:r="http://schemas.openxmlformats.org/officeDocument/2006/relationships" xmlns:p="http://schemas.openxmlformats.org/presentationml/2006/main">
-  <p:cSld>
-    <p:spTree>
-      <p:nvGrpSpPr>
-        <p:cNvPr id="1" name=""/>
-        <p:cNvGrpSpPr/>
-        <p:nvPr/>
-      </p:nvGrpSpPr>
-      <p:grpSpPr>
-        <a:xfrm>
-          <a:off x="0" y="0"/>
-          <a:ext cx="0" cy="0"/>
-          <a:chOff x="0" y="0"/>
-          <a:chExt cx="0" cy="0"/>
-        </a:xfrm>
-      </p:grpSpPr>
-      <p:sp>
-        <p:nvSpPr>
-          <p:cNvPr id="2" name="标题 1">
-            <a:extLst>
-              <a:ext uri="{FF2B5EF4-FFF2-40B4-BE49-F238E27FC236}">
-                <a16:creationId xmlns:a16="http://schemas.microsoft.com/office/drawing/2014/main" id="{5B4C780E-1FCA-F140-BF08-6262DBAE7EC8}"/>
-              </a:ext>
-            </a:extLst>
-          </p:cNvPr>
-          <p:cNvSpPr>
-            <a:spLocks noGrp="1"/>
-          </p:cNvSpPr>
-          <p:nvPr>
-            <p:ph type="title"/>
-          </p:nvPr>
-        </p:nvSpPr>
-        <p:spPr/>
-        <p:txBody>
-          <a:bodyPr/>
-          <a:lstStyle/>
-          <a:p>
-            <a:r>
-              <a:rPr lang="en" altLang="zh-CN" dirty="0"/>
-              <a:t>Adding documentation</a:t>
-            </a:r>
-          </a:p>
-        </p:txBody>
-      </p:sp>
-      <p:sp>
-        <p:nvSpPr>
-          <p:cNvPr id="3" name="文本占位符 2">
-            <a:extLst>
-              <a:ext uri="{FF2B5EF4-FFF2-40B4-BE49-F238E27FC236}">
-                <a16:creationId xmlns:a16="http://schemas.microsoft.com/office/drawing/2014/main" id="{4F329FC9-745C-CA49-9F73-344DBED6C2CA}"/>
-              </a:ext>
-            </a:extLst>
-          </p:cNvPr>
-          <p:cNvSpPr>
-            <a:spLocks noGrp="1"/>
-          </p:cNvSpPr>
-          <p:nvPr>
-            <p:ph type="body" idx="1"/>
-          </p:nvPr>
-        </p:nvSpPr>
-        <p:spPr/>
-        <p:txBody>
-          <a:bodyPr/>
-          <a:lstStyle/>
-          <a:p>
-            <a:pPr marL="114300" indent="0">
-              <a:buNone/>
-            </a:pPr>
-            <a:r>
-              <a:rPr lang="en" altLang="zh-CN" dirty="0"/>
-              <a:t>It is recommended practice to add the following documentation to all packages:</a:t>
-            </a:r>
-          </a:p>
-          <a:p>
-            <a:r>
-              <a:rPr lang="en" altLang="zh-CN" dirty="0"/>
-              <a:t>A </a:t>
-            </a:r>
-            <a:r>
-              <a:rPr lang="en" altLang="zh-CN" dirty="0" err="1">
-                <a:solidFill>
-                  <a:schemeClr val="accent4"/>
-                </a:solidFill>
-              </a:rPr>
-              <a:t>README.md</a:t>
-            </a:r>
-            <a:r>
-              <a:rPr lang="en" altLang="zh-CN" dirty="0">
-                <a:solidFill>
-                  <a:schemeClr val="accent4"/>
-                </a:solidFill>
-              </a:rPr>
-              <a:t> </a:t>
-            </a:r>
-            <a:r>
-              <a:rPr lang="en" altLang="zh-CN" dirty="0"/>
-              <a:t>file that introduces the package</a:t>
-            </a:r>
-          </a:p>
-          <a:p>
-            <a:r>
-              <a:rPr lang="en" altLang="zh-CN" dirty="0"/>
-              <a:t>A </a:t>
-            </a:r>
-            <a:r>
-              <a:rPr lang="en" altLang="zh-CN" dirty="0" err="1">
-                <a:solidFill>
-                  <a:schemeClr val="accent4"/>
-                </a:solidFill>
-              </a:rPr>
-              <a:t>CHANGELOG.md</a:t>
-            </a:r>
-            <a:r>
-              <a:rPr lang="en" altLang="zh-CN" dirty="0">
-                <a:solidFill>
-                  <a:schemeClr val="accent4"/>
-                </a:solidFill>
-              </a:rPr>
-              <a:t> </a:t>
-            </a:r>
-            <a:r>
-              <a:rPr lang="en" altLang="zh-CN" dirty="0"/>
-              <a:t>file that documents changes in each version</a:t>
-            </a:r>
-          </a:p>
-          <a:p>
-            <a:r>
-              <a:rPr lang="en" altLang="zh-CN" dirty="0"/>
-              <a:t>A </a:t>
-            </a:r>
-            <a:r>
-              <a:rPr lang="en" altLang="zh-CN" dirty="0">
-                <a:hlinkClick r:id="rId2"/>
-              </a:rPr>
-              <a:t>LICENSE</a:t>
-            </a:r>
-            <a:r>
-              <a:rPr lang="en" altLang="zh-CN" dirty="0"/>
-              <a:t> file containing the terms under which the package is licensed</a:t>
-            </a:r>
-          </a:p>
-          <a:p>
-            <a:r>
-              <a:rPr lang="en" altLang="zh-CN" dirty="0"/>
-              <a:t>API documentation for all public APIs (see below for details)</a:t>
-            </a:r>
-          </a:p>
-        </p:txBody>
-      </p:sp>
-    </p:spTree>
-    <p:extLst>
-      <p:ext uri="{BB962C8B-B14F-4D97-AF65-F5344CB8AC3E}">
-        <p14:creationId xmlns:p14="http://schemas.microsoft.com/office/powerpoint/2010/main" val="2764098195"/>
-      </p:ext>
-    </p:extLst>
-  </p:cSld>
-  <p:clrMapOvr>
-    <a:masterClrMapping/>
-  </p:clrMapOvr>
-</p:sld>
-</file>
-
-<file path=ppt/slides/slide32.xml><?xml version="1.0" encoding="utf-8"?>
-<p:sld xmlns:a="http://schemas.openxmlformats.org/drawingml/2006/main" xmlns:r="http://schemas.openxmlformats.org/officeDocument/2006/relationships" xmlns:p="http://schemas.openxmlformats.org/presentationml/2006/main">
-  <p:cSld>
-    <p:spTree>
-      <p:nvGrpSpPr>
-        <p:cNvPr id="1" name=""/>
-        <p:cNvGrpSpPr/>
-        <p:nvPr/>
-      </p:nvGrpSpPr>
-      <p:grpSpPr>
-        <a:xfrm>
-          <a:off x="0" y="0"/>
-          <a:ext cx="0" cy="0"/>
-          <a:chOff x="0" y="0"/>
-          <a:chExt cx="0" cy="0"/>
-        </a:xfrm>
-      </p:grpSpPr>
-      <p:sp>
-        <p:nvSpPr>
-          <p:cNvPr id="2" name="标题 1">
-            <a:extLst>
-              <a:ext uri="{FF2B5EF4-FFF2-40B4-BE49-F238E27FC236}">
                 <a16:creationId xmlns:a16="http://schemas.microsoft.com/office/drawing/2014/main" id="{B5D20A24-6395-A549-86B5-FB1C0B37255F}"/>
               </a:ext>
             </a:extLst>
@@ -9260,7 +8970,7 @@
 </p:sld>
 </file>
 
-<file path=ppt/slides/slide33.xml><?xml version="1.0" encoding="utf-8"?>
+<file path=ppt/slides/slide31.xml><?xml version="1.0" encoding="utf-8"?>
 <p:sld xmlns:a="http://schemas.openxmlformats.org/drawingml/2006/main" xmlns:r="http://schemas.openxmlformats.org/officeDocument/2006/relationships" xmlns:p="http://schemas.openxmlformats.org/presentationml/2006/main">
   <p:cSld>
     <p:spTree>
@@ -9323,7 +9033,7 @@
 </p:sld>
 </file>
 
-<file path=ppt/slides/slide34.xml><?xml version="1.0" encoding="utf-8"?>
+<file path=ppt/slides/slide32.xml><?xml version="1.0" encoding="utf-8"?>
 <p:sld xmlns:a="http://schemas.openxmlformats.org/drawingml/2006/main" xmlns:r="http://schemas.openxmlformats.org/officeDocument/2006/relationships" xmlns:p="http://schemas.openxmlformats.org/presentationml/2006/main">
   <p:cSld>
     <p:spTree>
@@ -9506,7 +9216,7 @@
 </p:sld>
 </file>
 
-<file path=ppt/slides/slide35.xml><?xml version="1.0" encoding="utf-8"?>
+<file path=ppt/slides/slide33.xml><?xml version="1.0" encoding="utf-8"?>
 <p:sld xmlns:a="http://schemas.openxmlformats.org/drawingml/2006/main" xmlns:r="http://schemas.openxmlformats.org/officeDocument/2006/relationships" xmlns:p="http://schemas.openxmlformats.org/presentationml/2006/main">
   <p:cSld>
     <p:spTree>
@@ -9699,7 +9409,7 @@
 </p:sld>
 </file>
 
-<file path=ppt/slides/slide36.xml><?xml version="1.0" encoding="utf-8"?>
+<file path=ppt/slides/slide34.xml><?xml version="1.0" encoding="utf-8"?>
 <p:sld xmlns:a="http://schemas.openxmlformats.org/drawingml/2006/main" xmlns:r="http://schemas.openxmlformats.org/officeDocument/2006/relationships" xmlns:p="http://schemas.openxmlformats.org/presentationml/2006/main">
   <p:cSld>
     <p:spTree>
@@ -9793,7 +9503,7 @@
 </p:sld>
 </file>
 
-<file path=ppt/slides/slide37.xml><?xml version="1.0" encoding="utf-8"?>
+<file path=ppt/slides/slide35.xml><?xml version="1.0" encoding="utf-8"?>
 <p:sld xmlns:a="http://schemas.openxmlformats.org/drawingml/2006/main" xmlns:r="http://schemas.openxmlformats.org/officeDocument/2006/relationships" xmlns:p="http://schemas.openxmlformats.org/presentationml/2006/main">
   <p:cSld>
     <p:spTree>
@@ -9921,7 +9631,7 @@
 </p:sld>
 </file>
 
-<file path=ppt/slides/slide38.xml><?xml version="1.0" encoding="utf-8"?>
+<file path=ppt/slides/slide36.xml><?xml version="1.0" encoding="utf-8"?>
 <p:sld xmlns:a="http://schemas.openxmlformats.org/drawingml/2006/main" xmlns:r="http://schemas.openxmlformats.org/officeDocument/2006/relationships" xmlns:p="http://schemas.openxmlformats.org/presentationml/2006/main">
   <p:cSld>
     <p:spTree>
@@ -10658,23 +10368,51 @@
               <a:t>Suppose you want to use </a:t>
             </a:r>
             <a:r>
-              <a:rPr lang="en" altLang="zh-CN" dirty="0" err="1"/>
+              <a:rPr lang="en" altLang="zh-CN" dirty="0" err="1">
+                <a:solidFill>
+                  <a:srgbClr val="8A3FFC"/>
+                </a:solidFill>
+              </a:rPr>
               <a:t>some_package</a:t>
             </a:r>
             <a:r>
-              <a:rPr lang="en" altLang="zh-CN" dirty="0"/>
-              <a:t> and </a:t>
-            </a:r>
-            <a:r>
-              <a:rPr lang="en" altLang="zh-CN" dirty="0" err="1"/>
+              <a:rPr lang="en" altLang="zh-CN" dirty="0">
+                <a:solidFill>
+                  <a:srgbClr val="8A3FFC"/>
+                </a:solidFill>
+              </a:rPr>
+              <a:t> </a:t>
+            </a:r>
+            <a:r>
+              <a:rPr lang="en" altLang="zh-CN" dirty="0"/>
+              <a:t>and </a:t>
+            </a:r>
+            <a:r>
+              <a:rPr lang="en" altLang="zh-CN" dirty="0" err="1">
+                <a:solidFill>
+                  <a:srgbClr val="8A3FFC"/>
+                </a:solidFill>
+              </a:rPr>
               <a:t>another_package</a:t>
             </a:r>
             <a:r>
-              <a:rPr lang="en" altLang="zh-CN" dirty="0"/>
-              <a:t> in an app, and both of these depend on </a:t>
-            </a:r>
-            <a:r>
-              <a:rPr lang="en" altLang="zh-CN" dirty="0" err="1"/>
+              <a:rPr lang="en" altLang="zh-CN" dirty="0">
+                <a:solidFill>
+                  <a:srgbClr val="8A3FFC"/>
+                </a:solidFill>
+              </a:rPr>
+              <a:t> </a:t>
+            </a:r>
+            <a:r>
+              <a:rPr lang="en" altLang="zh-CN" dirty="0"/>
+              <a:t>in an app, and both of these depend on </a:t>
+            </a:r>
+            <a:r>
+              <a:rPr lang="en" altLang="zh-CN" dirty="0" err="1">
+                <a:solidFill>
+                  <a:srgbClr val="8A3FFC"/>
+                </a:solidFill>
+              </a:rPr>
               <a:t>url_launcher</a:t>
             </a:r>
             <a:r>

--- a/Lecture/C06 Packages_Plugins.pptx
+++ b/Lecture/C06 Packages_Plugins.pptx
@@ -38,11 +38,11 @@
     <p:sldId id="411" r:id="rId29"/>
     <p:sldId id="424" r:id="rId30"/>
     <p:sldId id="412" r:id="rId31"/>
-    <p:sldId id="380" r:id="rId32"/>
-    <p:sldId id="416" r:id="rId33"/>
-    <p:sldId id="417" r:id="rId34"/>
-    <p:sldId id="418" r:id="rId35"/>
-    <p:sldId id="419" r:id="rId36"/>
+    <p:sldId id="416" r:id="rId32"/>
+    <p:sldId id="417" r:id="rId33"/>
+    <p:sldId id="418" r:id="rId34"/>
+    <p:sldId id="419" r:id="rId35"/>
+    <p:sldId id="426" r:id="rId36"/>
     <p:sldId id="298" r:id="rId37"/>
   </p:sldIdLst>
   <p:sldSz cx="9144000" cy="5143500" type="screen16x9"/>
@@ -1349,151 +1349,6 @@
 </file>
 
 <file path=ppt/notesSlides/notesSlide6.xml><?xml version="1.0" encoding="utf-8"?>
-<p:notes xmlns:a="http://schemas.openxmlformats.org/drawingml/2006/main" xmlns:r="http://schemas.openxmlformats.org/officeDocument/2006/relationships" xmlns:p="http://schemas.openxmlformats.org/presentationml/2006/main" showMasterSp="0" showMasterPhAnim="0">
-  <p:cSld>
-    <p:spTree>
-      <p:nvGrpSpPr>
-        <p:cNvPr id="1" name="Shape 226"/>
-        <p:cNvGrpSpPr/>
-        <p:nvPr/>
-      </p:nvGrpSpPr>
-      <p:grpSpPr>
-        <a:xfrm>
-          <a:off x="0" y="0"/>
-          <a:ext cx="0" cy="0"/>
-          <a:chOff x="0" y="0"/>
-          <a:chExt cx="0" cy="0"/>
-        </a:xfrm>
-      </p:grpSpPr>
-      <p:sp>
-        <p:nvSpPr>
-          <p:cNvPr id="227" name="Google Shape;227;g2388ebc691_2_174:notes"/>
-          <p:cNvSpPr>
-            <a:spLocks noGrp="1" noRot="1" noChangeAspect="1"/>
-          </p:cNvSpPr>
-          <p:nvPr>
-            <p:ph type="sldImg" idx="2"/>
-          </p:nvPr>
-        </p:nvSpPr>
-        <p:spPr>
-          <a:xfrm>
-            <a:off x="381000" y="685800"/>
-            <a:ext cx="6096000" cy="3429000"/>
-          </a:xfrm>
-          <a:custGeom>
-            <a:avLst/>
-            <a:gdLst/>
-            <a:ahLst/>
-            <a:cxnLst/>
-            <a:rect l="l" t="t" r="r" b="b"/>
-            <a:pathLst>
-              <a:path w="120000" h="120000" extrusionOk="0">
-                <a:moveTo>
-                  <a:pt x="0" y="0"/>
-                </a:moveTo>
-                <a:lnTo>
-                  <a:pt x="120000" y="0"/>
-                </a:lnTo>
-                <a:lnTo>
-                  <a:pt x="120000" y="120000"/>
-                </a:lnTo>
-                <a:lnTo>
-                  <a:pt x="0" y="120000"/>
-                </a:lnTo>
-                <a:close/>
-              </a:path>
-            </a:pathLst>
-          </a:custGeom>
-        </p:spPr>
-      </p:sp>
-      <p:sp>
-        <p:nvSpPr>
-          <p:cNvPr id="228" name="Google Shape;228;g2388ebc691_2_174:notes"/>
-          <p:cNvSpPr txBox="1">
-            <a:spLocks noGrp="1"/>
-          </p:cNvSpPr>
-          <p:nvPr>
-            <p:ph type="body" idx="1"/>
-          </p:nvPr>
-        </p:nvSpPr>
-        <p:spPr>
-          <a:xfrm>
-            <a:off x="685800" y="4343400"/>
-            <a:ext cx="5486400" cy="4114800"/>
-          </a:xfrm>
-          <a:prstGeom prst="rect">
-            <a:avLst/>
-          </a:prstGeom>
-        </p:spPr>
-        <p:txBody>
-          <a:bodyPr spcFirstLastPara="1" wrap="square" lIns="91425" tIns="91425" rIns="91425" bIns="91425" anchor="t" anchorCtr="0">
-            <a:noAutofit/>
-          </a:bodyPr>
-          <a:lstStyle/>
-          <a:p>
-            <a:pPr marL="0" lvl="0" indent="0" algn="l" rtl="0">
-              <a:spcBef>
-                <a:spcPts val="0"/>
-              </a:spcBef>
-              <a:spcAft>
-                <a:spcPts val="0"/>
-              </a:spcAft>
-              <a:buNone/>
-            </a:pPr>
-            <a:r>
-              <a:rPr lang="en-GB"/>
-              <a:t>StatelessWidget is used for immutable elements that only rely on the object configuration information</a:t>
-            </a:r>
-            <a:endParaRPr/>
-          </a:p>
-          <a:p>
-            <a:pPr marL="0" lvl="0" indent="0" algn="l" rtl="0">
-              <a:spcBef>
-                <a:spcPts val="0"/>
-              </a:spcBef>
-              <a:spcAft>
-                <a:spcPts val="0"/>
-              </a:spcAft>
-              <a:buNone/>
-            </a:pPr>
-            <a:r>
-              <a:rPr lang="en-GB"/>
-              <a:t>StatefulWidget is used for elements that can dynamically change based on state-changes in the system</a:t>
-            </a:r>
-            <a:endParaRPr/>
-          </a:p>
-          <a:p>
-            <a:pPr marL="0" lvl="0" indent="0" algn="l" rtl="0">
-              <a:spcBef>
-                <a:spcPts val="0"/>
-              </a:spcBef>
-              <a:spcAft>
-                <a:spcPts val="0"/>
-              </a:spcAft>
-              <a:buNone/>
-            </a:pPr>
-            <a:r>
-              <a:rPr lang="en-GB"/>
-              <a:t>Everytime that state changes, setChange() is called by the object</a:t>
-            </a:r>
-            <a:endParaRPr/>
-          </a:p>
-        </p:txBody>
-      </p:sp>
-    </p:spTree>
-    <p:extLst>
-      <p:ext uri="{BB962C8B-B14F-4D97-AF65-F5344CB8AC3E}">
-        <p14:creationId xmlns:p14="http://schemas.microsoft.com/office/powerpoint/2010/main" val="2913681680"/>
-      </p:ext>
-    </p:extLst>
-  </p:cSld>
-  <p:clrMapOvr>
-    <a:masterClrMapping/>
-  </p:clrMapOvr>
-</p:notes>
-</file>
-
-<file path=ppt/notesSlides/notesSlide7.xml><?xml version="1.0" encoding="utf-8"?>
 <p:notes xmlns:a="http://schemas.openxmlformats.org/drawingml/2006/main" xmlns:r="http://schemas.openxmlformats.org/officeDocument/2006/relationships" xmlns:p="http://schemas.openxmlformats.org/presentationml/2006/main" showMasterSp="0" showMasterPhAnim="0">
   <p:cSld>
     <p:spTree>
@@ -7183,7 +7038,19 @@
             <a:pPr lvl="1"/>
             <a:r>
               <a:rPr lang="en" altLang="zh-CN" sz="1200" dirty="0"/>
-              <a:t>A plugin is a </a:t>
+              <a:t>A </a:t>
+            </a:r>
+            <a:r>
+              <a:rPr lang="en" altLang="zh-CN" sz="1200" dirty="0">
+                <a:solidFill>
+                  <a:srgbClr val="FF0000"/>
+                </a:solidFill>
+              </a:rPr>
+              <a:t>plugin</a:t>
+            </a:r>
+            <a:r>
+              <a:rPr lang="en" altLang="zh-CN" sz="1200" dirty="0"/>
+              <a:t> is a </a:t>
             </a:r>
             <a:r>
               <a:rPr lang="en" altLang="zh-CN" sz="1200" i="1" dirty="0"/>
@@ -7191,10 +7058,26 @@
             </a:r>
             <a:r>
               <a:rPr lang="en" altLang="zh-CN" sz="1200" dirty="0"/>
-              <a:t> of package—the full designation is </a:t>
-            </a:r>
-            <a:r>
-              <a:rPr lang="en" altLang="zh-CN" sz="1200" i="1" dirty="0"/>
+              <a:t> of </a:t>
+            </a:r>
+            <a:r>
+              <a:rPr lang="en" altLang="zh-CN" sz="1200" dirty="0">
+                <a:solidFill>
+                  <a:srgbClr val="FF0000"/>
+                </a:solidFill>
+              </a:rPr>
+              <a:t>package</a:t>
+            </a:r>
+            <a:r>
+              <a:rPr lang="en" altLang="zh-CN" sz="1200" dirty="0"/>
+              <a:t>—the full designation is </a:t>
+            </a:r>
+            <a:r>
+              <a:rPr lang="en" altLang="zh-CN" sz="1200" i="1" dirty="0">
+                <a:solidFill>
+                  <a:srgbClr val="FF0000"/>
+                </a:solidFill>
+              </a:rPr>
               <a:t>plugin package</a:t>
             </a:r>
             <a:r>
@@ -7223,7 +7106,11 @@
               <a:t>At a minimum, a Dart package is a directory containing a </a:t>
             </a:r>
             <a:r>
-              <a:rPr lang="en" altLang="zh-CN" sz="1200" dirty="0" err="1"/>
+              <a:rPr lang="en" altLang="zh-CN" sz="1200" dirty="0" err="1">
+                <a:solidFill>
+                  <a:srgbClr val="FF0000"/>
+                </a:solidFill>
+              </a:rPr>
               <a:t>pubspec</a:t>
             </a:r>
             <a:r>
@@ -7231,7 +7118,11 @@
               <a:t> file. Additionally, a package can contain dependencies (listed in the </a:t>
             </a:r>
             <a:r>
-              <a:rPr lang="en" altLang="zh-CN" sz="1200" dirty="0" err="1"/>
+              <a:rPr lang="en" altLang="zh-CN" sz="1200" dirty="0" err="1">
+                <a:solidFill>
+                  <a:srgbClr val="FF0000"/>
+                </a:solidFill>
+              </a:rPr>
               <a:t>pubspec</a:t>
             </a:r>
             <a:r>
@@ -7370,7 +7261,26 @@
               <a:rPr lang="en" altLang="zh-CN" dirty="0"/>
               <a:t>A specialized Dart package that contains an API written in Dart code combined with one or more platform-specific implementations. </a:t>
             </a:r>
-            <a:endParaRPr kumimoji="1" lang="zh-CN" altLang="en-US" dirty="0"/>
+          </a:p>
+          <a:p>
+            <a:r>
+              <a:rPr lang="en" altLang="zh-CN" b="1" dirty="0"/>
+              <a:t>FFI Plugin packages: </a:t>
+            </a:r>
+            <a:r>
+              <a:rPr lang="en" altLang="zh-CN" dirty="0"/>
+              <a:t>A specialized Dart package that contains an API written in Dart code combined with one or more platform-specific implementations that use </a:t>
+            </a:r>
+            <a:r>
+              <a:rPr lang="en" altLang="zh-CN" dirty="0">
+                <a:hlinkClick r:id="rId3"/>
+              </a:rPr>
+              <a:t>Dart FFI</a:t>
+            </a:r>
+            <a:r>
+              <a:rPr lang="en" altLang="zh-CN" dirty="0"/>
+              <a:t>.</a:t>
+            </a:r>
           </a:p>
         </p:txBody>
       </p:sp>
@@ -8644,7 +8554,7 @@
           <a:p>
             <a:r>
               <a:rPr lang="en" altLang="zh-CN" dirty="0"/>
-              <a:t>API documentation for all public APIs (see below for details)</a:t>
+              <a:t>API documentation for all public APIs</a:t>
             </a:r>
           </a:p>
         </p:txBody>
@@ -8760,6 +8670,77 @@
           </a:p>
         </p:txBody>
       </p:sp>
+      <p:sp>
+        <p:nvSpPr>
+          <p:cNvPr id="2" name="矩形 1">
+            <a:extLst>
+              <a:ext uri="{FF2B5EF4-FFF2-40B4-BE49-F238E27FC236}">
+                <a16:creationId xmlns:a16="http://schemas.microsoft.com/office/drawing/2014/main" id="{0A7E3B87-7ECB-46B0-789B-A21EC82CC90F}"/>
+              </a:ext>
+            </a:extLst>
+          </p:cNvPr>
+          <p:cNvSpPr/>
+          <p:nvPr/>
+        </p:nvSpPr>
+        <p:spPr>
+          <a:xfrm>
+            <a:off x="5553909" y="2899375"/>
+            <a:ext cx="2480166" cy="307777"/>
+          </a:xfrm>
+          <a:prstGeom prst="rect">
+            <a:avLst/>
+          </a:prstGeom>
+        </p:spPr>
+        <p:txBody>
+          <a:bodyPr wrap="none">
+            <a:spAutoFit/>
+          </a:bodyPr>
+          <a:lstStyle/>
+          <a:p>
+            <a:r>
+              <a:rPr lang="en" altLang="zh-CN" dirty="0">
+                <a:solidFill>
+                  <a:srgbClr val="FFFFFF"/>
+                </a:solidFill>
+                <a:latin typeface="YouTube Noto"/>
+                <a:hlinkClick r:id="rId3"/>
+              </a:rPr>
+              <a:t>https://youtu.be/Y9WifT8aN6o</a:t>
+            </a:r>
+            <a:endParaRPr lang="zh-CN" altLang="en-US" dirty="0"/>
+          </a:p>
+        </p:txBody>
+      </p:sp>
+      <p:pic>
+        <p:nvPicPr>
+          <p:cNvPr id="3" name="图片 2">
+            <a:extLst>
+              <a:ext uri="{FF2B5EF4-FFF2-40B4-BE49-F238E27FC236}">
+                <a16:creationId xmlns:a16="http://schemas.microsoft.com/office/drawing/2014/main" id="{6332C673-D7E2-A602-39D4-180D97D9F23D}"/>
+              </a:ext>
+            </a:extLst>
+          </p:cNvPr>
+          <p:cNvPicPr>
+            <a:picLocks noChangeAspect="1"/>
+          </p:cNvPicPr>
+          <p:nvPr/>
+        </p:nvPicPr>
+        <p:blipFill>
+          <a:blip r:embed="rId4"/>
+          <a:stretch>
+            <a:fillRect/>
+          </a:stretch>
+        </p:blipFill>
+        <p:spPr>
+          <a:xfrm>
+            <a:off x="1338580" y="2640492"/>
+            <a:ext cx="3810319" cy="2140458"/>
+          </a:xfrm>
+          <a:prstGeom prst="rect">
+            <a:avLst/>
+          </a:prstGeom>
+        </p:spPr>
+      </p:pic>
     </p:spTree>
   </p:cSld>
   <p:clrMapOvr>
@@ -8975,69 +8956,6 @@
   <p:cSld>
     <p:spTree>
       <p:nvGrpSpPr>
-        <p:cNvPr id="1" name="Shape 229"/>
-        <p:cNvGrpSpPr/>
-        <p:nvPr/>
-      </p:nvGrpSpPr>
-      <p:grpSpPr>
-        <a:xfrm>
-          <a:off x="0" y="0"/>
-          <a:ext cx="0" cy="0"/>
-          <a:chOff x="0" y="0"/>
-          <a:chExt cx="0" cy="0"/>
-        </a:xfrm>
-      </p:grpSpPr>
-      <p:sp>
-        <p:nvSpPr>
-          <p:cNvPr id="230" name="Google Shape;230;p35"/>
-          <p:cNvSpPr txBox="1">
-            <a:spLocks noGrp="1"/>
-          </p:cNvSpPr>
-          <p:nvPr>
-            <p:ph type="title"/>
-          </p:nvPr>
-        </p:nvSpPr>
-        <p:spPr>
-          <a:xfrm>
-            <a:off x="455700" y="526350"/>
-            <a:ext cx="8232600" cy="4090800"/>
-          </a:xfrm>
-          <a:prstGeom prst="rect">
-            <a:avLst/>
-          </a:prstGeom>
-        </p:spPr>
-        <p:txBody>
-          <a:bodyPr spcFirstLastPara="1" wrap="square" lIns="91425" tIns="91425" rIns="91425" bIns="91425" anchor="ctr" anchorCtr="0">
-            <a:noAutofit/>
-          </a:bodyPr>
-          <a:lstStyle/>
-          <a:p>
-            <a:pPr algn="ctr"/>
-            <a:r>
-              <a:rPr lang="en" altLang="zh-CN" dirty="0"/>
-              <a:t>Flutter Favorite program</a:t>
-            </a:r>
-          </a:p>
-        </p:txBody>
-      </p:sp>
-    </p:spTree>
-    <p:extLst>
-      <p:ext uri="{BB962C8B-B14F-4D97-AF65-F5344CB8AC3E}">
-        <p14:creationId xmlns:p14="http://schemas.microsoft.com/office/powerpoint/2010/main" val="2333316938"/>
-      </p:ext>
-    </p:extLst>
-  </p:cSld>
-  <p:clrMapOvr>
-    <a:masterClrMapping/>
-  </p:clrMapOvr>
-</p:sld>
-</file>
-
-<file path=ppt/slides/slide32.xml><?xml version="1.0" encoding="utf-8"?>
-<p:sld xmlns:a="http://schemas.openxmlformats.org/drawingml/2006/main" xmlns:r="http://schemas.openxmlformats.org/officeDocument/2006/relationships" xmlns:p="http://schemas.openxmlformats.org/presentationml/2006/main">
-  <p:cSld>
-    <p:spTree>
-      <p:nvGrpSpPr>
         <p:cNvPr id="1" name=""/>
         <p:cNvGrpSpPr/>
         <p:nvPr/>
@@ -9073,7 +8991,7 @@
           <a:p>
             <a:r>
               <a:rPr lang="en" altLang="zh-CN" dirty="0"/>
-              <a:t>Introduction</a:t>
+              <a:t>Developing FFI plugin packages</a:t>
             </a:r>
             <a:endParaRPr kumimoji="1" lang="zh-CN" altLang="en-US" dirty="0"/>
           </a:p>
@@ -9102,107 +9020,104 @@
           <a:p>
             <a:r>
               <a:rPr lang="en" altLang="zh-CN" dirty="0"/>
-              <a:t>The aim of the </a:t>
-            </a:r>
-            <a:r>
-              <a:rPr lang="en" altLang="zh-CN" b="1" dirty="0"/>
-              <a:t>Flutter Favorite</a:t>
-            </a:r>
-            <a:r>
-              <a:rPr lang="en" altLang="zh-CN" dirty="0"/>
-              <a:t> program is to identify packages and plugins that you should first consider when building your app. </a:t>
-            </a:r>
-          </a:p>
-          <a:p>
-            <a:r>
-              <a:rPr lang="en" altLang="zh-CN" dirty="0"/>
-              <a:t>This is not a guarantee of quality or suitability to your particular situation—you should always perform your own evaluation of packages and plugins for your project.</a:t>
-            </a:r>
+              <a:t>If you want to develop a package that calls into native APIs using </a:t>
+            </a:r>
+            <a:r>
+              <a:rPr lang="en" altLang="zh-CN" dirty="0">
+                <a:hlinkClick r:id="rId2"/>
+              </a:rPr>
+              <a:t>Dart’s FFI</a:t>
+            </a:r>
+            <a:r>
+              <a:rPr lang="en" altLang="zh-CN" dirty="0"/>
+              <a:t>, you need to develop a FFI plugin package.</a:t>
+            </a:r>
+          </a:p>
+          <a:p>
+            <a:endParaRPr lang="en" altLang="zh-CN" dirty="0"/>
+          </a:p>
+          <a:p>
+            <a:pPr marL="114300" indent="0">
+              <a:buNone/>
+            </a:pPr>
+            <a:r>
+              <a:rPr lang="en" altLang="zh-CN" dirty="0"/>
+              <a:t>Step 1: Create the package</a:t>
+            </a:r>
+          </a:p>
+          <a:p>
+            <a:r>
+              <a:rPr lang="en" altLang="zh-CN" dirty="0"/>
+              <a:t>To create a starter FFI plugin package, use the </a:t>
+            </a:r>
+            <a:r>
+              <a:rPr lang="en" altLang="zh-CN" dirty="0">
+                <a:solidFill>
+                  <a:srgbClr val="FF0000"/>
+                </a:solidFill>
+              </a:rPr>
+              <a:t>--template=</a:t>
+            </a:r>
+            <a:r>
+              <a:rPr lang="en" altLang="zh-CN" dirty="0" err="1">
+                <a:solidFill>
+                  <a:srgbClr val="FF0000"/>
+                </a:solidFill>
+              </a:rPr>
+              <a:t>plugin_ffi</a:t>
+            </a:r>
+            <a:r>
+              <a:rPr lang="en" altLang="zh-CN" dirty="0"/>
+              <a:t> flag with </a:t>
+            </a:r>
+            <a:r>
+              <a:rPr lang="en" altLang="zh-CN" dirty="0">
+                <a:solidFill>
+                  <a:srgbClr val="FF0000"/>
+                </a:solidFill>
+              </a:rPr>
+              <a:t>flutter create</a:t>
+            </a:r>
+            <a:r>
+              <a:rPr lang="en" altLang="zh-CN" dirty="0"/>
+              <a:t>:</a:t>
+            </a:r>
+          </a:p>
+          <a:p>
+            <a:endParaRPr lang="en" altLang="zh-CN" dirty="0"/>
           </a:p>
         </p:txBody>
       </p:sp>
-      <p:sp>
-        <p:nvSpPr>
-          <p:cNvPr id="4" name="矩形 3">
+      <p:pic>
+        <p:nvPicPr>
+          <p:cNvPr id="5" name="图片 4">
             <a:extLst>
               <a:ext uri="{FF2B5EF4-FFF2-40B4-BE49-F238E27FC236}">
-                <a16:creationId xmlns:a16="http://schemas.microsoft.com/office/drawing/2014/main" id="{2F51EA2E-5A08-B44D-9A93-4ECEC6139A35}"/>
+                <a16:creationId xmlns:a16="http://schemas.microsoft.com/office/drawing/2014/main" id="{AC91C296-096E-084A-1981-431F04C4FF03}"/>
               </a:ext>
             </a:extLst>
           </p:cNvPr>
-          <p:cNvSpPr/>
+          <p:cNvPicPr>
+            <a:picLocks noChangeAspect="1"/>
+          </p:cNvPicPr>
           <p:nvPr/>
-        </p:nvSpPr>
+        </p:nvPicPr>
+        <p:blipFill>
+          <a:blip r:embed="rId3"/>
+          <a:stretch>
+            <a:fillRect/>
+          </a:stretch>
+        </p:blipFill>
         <p:spPr>
           <a:xfrm>
-            <a:off x="796157" y="3436571"/>
-            <a:ext cx="6589987" cy="738664"/>
+            <a:off x="1452626" y="3653275"/>
+            <a:ext cx="4940300" cy="520700"/>
           </a:xfrm>
           <a:prstGeom prst="rect">
             <a:avLst/>
           </a:prstGeom>
         </p:spPr>
-        <p:txBody>
-          <a:bodyPr wrap="square">
-            <a:spAutoFit/>
-          </a:bodyPr>
-          <a:lstStyle/>
-          <a:p>
-            <a:r>
-              <a:rPr lang="en" altLang="zh-CN" dirty="0">
-                <a:solidFill>
-                  <a:srgbClr val="4A4A4A"/>
-                </a:solidFill>
-                <a:latin typeface="Roboto" panose="02000000000000000000" pitchFamily="2" charset="0"/>
-              </a:rPr>
-              <a:t>You can see the complete list of </a:t>
-            </a:r>
-            <a:r>
-              <a:rPr lang="en" altLang="zh-CN" dirty="0">
-                <a:solidFill>
-                  <a:srgbClr val="1389FD"/>
-                </a:solidFill>
-                <a:latin typeface="Roboto" panose="02000000000000000000" pitchFamily="2" charset="0"/>
-                <a:hlinkClick r:id="rId2"/>
-              </a:rPr>
-              <a:t>Flutter Favorite packages</a:t>
-            </a:r>
-            <a:r>
-              <a:rPr lang="en" altLang="zh-CN" dirty="0">
-                <a:solidFill>
-                  <a:srgbClr val="4A4A4A"/>
-                </a:solidFill>
-                <a:latin typeface="Roboto" panose="02000000000000000000" pitchFamily="2" charset="0"/>
-              </a:rPr>
-              <a:t> on </a:t>
-            </a:r>
-            <a:r>
-              <a:rPr lang="en" altLang="zh-CN" dirty="0" err="1">
-                <a:solidFill>
-                  <a:srgbClr val="4A4A4A"/>
-                </a:solidFill>
-                <a:latin typeface="Roboto" panose="02000000000000000000" pitchFamily="2" charset="0"/>
-              </a:rPr>
-              <a:t>pub.dev</a:t>
-            </a:r>
-            <a:r>
-              <a:rPr lang="en" altLang="zh-CN" dirty="0">
-                <a:solidFill>
-                  <a:srgbClr val="4A4A4A"/>
-                </a:solidFill>
-                <a:latin typeface="Roboto" panose="02000000000000000000" pitchFamily="2" charset="0"/>
-              </a:rPr>
-              <a:t>.</a:t>
-            </a:r>
-          </a:p>
-          <a:p>
-            <a:br>
-              <a:rPr lang="en" altLang="zh-CN" dirty="0"/>
-            </a:br>
-            <a:endParaRPr lang="zh-CN" altLang="en-US" dirty="0"/>
-          </a:p>
-        </p:txBody>
-      </p:sp>
+      </p:pic>
     </p:spTree>
     <p:extLst>
       <p:ext uri="{BB962C8B-B14F-4D97-AF65-F5344CB8AC3E}">
@@ -9216,7 +9131,7 @@
 </p:sld>
 </file>
 
-<file path=ppt/slides/slide33.xml><?xml version="1.0" encoding="utf-8"?>
+<file path=ppt/slides/slide32.xml><?xml version="1.0" encoding="utf-8"?>
 <p:sld xmlns:a="http://schemas.openxmlformats.org/drawingml/2006/main" xmlns:r="http://schemas.openxmlformats.org/officeDocument/2006/relationships" xmlns:p="http://schemas.openxmlformats.org/presentationml/2006/main">
   <p:cSld>
     <p:spTree>
@@ -9254,10 +9169,6 @@
           <a:bodyPr/>
           <a:lstStyle/>
           <a:p>
-            <a:r>
-              <a:rPr lang="en" altLang="zh-CN" dirty="0"/>
-              <a:t>Metrics</a:t>
-            </a:r>
             <a:endParaRPr kumimoji="1" lang="zh-CN" altLang="en-US" dirty="0"/>
           </a:p>
         </p:txBody>
@@ -9287,115 +9198,56 @@
               <a:buNone/>
             </a:pPr>
             <a:r>
-              <a:rPr lang="en" altLang="zh-CN" sz="1400" dirty="0"/>
-              <a:t>Flutter Favorite packages have passed high quality standards using the following metrics:</a:t>
-            </a:r>
-          </a:p>
-          <a:p>
-            <a:r>
-              <a:rPr lang="en" altLang="zh-CN" sz="1400" dirty="0">
-                <a:hlinkClick r:id="rId2"/>
-              </a:rPr>
-              <a:t>Overall package score</a:t>
-            </a:r>
-            <a:endParaRPr lang="en" altLang="zh-CN" sz="1400" dirty="0"/>
-          </a:p>
-          <a:p>
-            <a:r>
-              <a:rPr lang="en" altLang="zh-CN" sz="1400" b="1" dirty="0"/>
-              <a:t>Permissive license</a:t>
-            </a:r>
-            <a:r>
-              <a:rPr lang="en" altLang="zh-CN" sz="1400" dirty="0"/>
-              <a:t>, including (but not limited to) Apache, Artistic, BSD, CC BY, MIT, MS-PL and W3C</a:t>
-            </a:r>
-          </a:p>
-          <a:p>
-            <a:r>
-              <a:rPr lang="en" altLang="zh-CN" sz="1400" dirty="0"/>
-              <a:t>GitHub </a:t>
-            </a:r>
-            <a:r>
-              <a:rPr lang="en" altLang="zh-CN" sz="1400" b="1" dirty="0"/>
-              <a:t>version tag</a:t>
-            </a:r>
-            <a:r>
-              <a:rPr lang="en" altLang="zh-CN" sz="1400" dirty="0"/>
-              <a:t> matches the current version from </a:t>
-            </a:r>
-            <a:r>
-              <a:rPr lang="en" altLang="zh-CN" sz="1400" dirty="0" err="1"/>
-              <a:t>pub.dev</a:t>
-            </a:r>
-            <a:r>
-              <a:rPr lang="en" altLang="zh-CN" sz="1400" dirty="0"/>
-              <a:t>, so you can see exactly what source is in the package</a:t>
-            </a:r>
-          </a:p>
-          <a:p>
-            <a:r>
-              <a:rPr lang="en" altLang="zh-CN" sz="1400" dirty="0"/>
-              <a:t>Feature </a:t>
-            </a:r>
-            <a:r>
-              <a:rPr lang="en" altLang="zh-CN" sz="1400" b="1" dirty="0"/>
-              <a:t>completeness</a:t>
-            </a:r>
-            <a:r>
-              <a:rPr lang="en" altLang="zh-CN" sz="1400" dirty="0"/>
-              <a:t>—and not marked as incomplete (for example, with labels like “beta” or “under construction”)</a:t>
-            </a:r>
-          </a:p>
-          <a:p>
-            <a:r>
-              <a:rPr lang="en" altLang="zh-CN" sz="1400" dirty="0">
-                <a:hlinkClick r:id="rId3"/>
-              </a:rPr>
-              <a:t>Verified publisher</a:t>
-            </a:r>
-            <a:endParaRPr lang="en" altLang="zh-CN" sz="1400" dirty="0"/>
-          </a:p>
-          <a:p>
-            <a:r>
-              <a:rPr lang="en" altLang="zh-CN" sz="1400" dirty="0"/>
-              <a:t>General </a:t>
-            </a:r>
-            <a:r>
-              <a:rPr lang="en" altLang="zh-CN" sz="1400" b="1" dirty="0"/>
-              <a:t>usability</a:t>
-            </a:r>
-            <a:r>
-              <a:rPr lang="en" altLang="zh-CN" sz="1400" dirty="0"/>
-              <a:t> when it comes to the overview, docs, sample/example code, and API quality</a:t>
-            </a:r>
-          </a:p>
-          <a:p>
-            <a:r>
-              <a:rPr lang="en" altLang="zh-CN" sz="1400" dirty="0"/>
-              <a:t>Good </a:t>
-            </a:r>
-            <a:r>
-              <a:rPr lang="en" altLang="zh-CN" sz="1400" b="1" dirty="0"/>
-              <a:t>runtime behavior</a:t>
-            </a:r>
-            <a:r>
-              <a:rPr lang="en" altLang="zh-CN" sz="1400" dirty="0"/>
-              <a:t> in terms of CPU and memory usage</a:t>
-            </a:r>
-          </a:p>
-          <a:p>
-            <a:r>
-              <a:rPr lang="en" altLang="zh-CN" sz="1400" dirty="0"/>
-              <a:t>High quality </a:t>
-            </a:r>
-            <a:r>
-              <a:rPr lang="en" altLang="zh-CN" sz="1400" b="1" dirty="0"/>
-              <a:t>dependencies</a:t>
-            </a:r>
-            <a:endParaRPr lang="en" altLang="zh-CN" sz="1400" dirty="0"/>
+              <a:rPr lang="en" altLang="zh-CN" dirty="0"/>
+              <a:t>Step 2: </a:t>
+            </a:r>
+            <a:r>
+              <a:rPr lang="en" altLang="zh-CN" dirty="0" err="1"/>
+              <a:t>Buidling</a:t>
+            </a:r>
+            <a:r>
+              <a:rPr lang="en" altLang="zh-CN" dirty="0"/>
+              <a:t> and bundling native code</a:t>
+            </a:r>
+          </a:p>
+          <a:p>
+            <a:pPr marL="114300" indent="0">
+              <a:buNone/>
+            </a:pPr>
+            <a:endParaRPr lang="en" altLang="zh-CN" sz="1400" b="1" dirty="0"/>
           </a:p>
         </p:txBody>
       </p:sp>
+      <p:pic>
+        <p:nvPicPr>
+          <p:cNvPr id="4" name="图片 3">
+            <a:extLst>
+              <a:ext uri="{FF2B5EF4-FFF2-40B4-BE49-F238E27FC236}">
+                <a16:creationId xmlns:a16="http://schemas.microsoft.com/office/drawing/2014/main" id="{DE2B0074-A973-4D4B-1D0C-5BCC779BC6B8}"/>
+              </a:ext>
+            </a:extLst>
+          </p:cNvPr>
+          <p:cNvPicPr>
+            <a:picLocks noChangeAspect="1"/>
+          </p:cNvPicPr>
+          <p:nvPr/>
+        </p:nvPicPr>
+        <p:blipFill>
+          <a:blip r:embed="rId2"/>
+          <a:stretch>
+            <a:fillRect/>
+          </a:stretch>
+        </p:blipFill>
+        <p:spPr>
+          <a:xfrm>
+            <a:off x="1274064" y="2010375"/>
+            <a:ext cx="4876800" cy="1778000"/>
+          </a:xfrm>
+          <a:prstGeom prst="rect">
+            <a:avLst/>
+          </a:prstGeom>
+        </p:spPr>
+      </p:pic>
     </p:spTree>
     <p:extLst>
       <p:ext uri="{BB962C8B-B14F-4D97-AF65-F5344CB8AC3E}">
@@ -9409,7 +9261,7 @@
 </p:sld>
 </file>
 
-<file path=ppt/slides/slide34.xml><?xml version="1.0" encoding="utf-8"?>
+<file path=ppt/slides/slide33.xml><?xml version="1.0" encoding="utf-8"?>
 <p:sld xmlns:a="http://schemas.openxmlformats.org/drawingml/2006/main" xmlns:r="http://schemas.openxmlformats.org/officeDocument/2006/relationships" xmlns:p="http://schemas.openxmlformats.org/presentationml/2006/main">
   <p:cSld>
     <p:spTree>
@@ -9447,10 +9299,6 @@
           <a:bodyPr/>
           <a:lstStyle/>
           <a:p>
-            <a:r>
-              <a:rPr lang="en" altLang="zh-CN" dirty="0"/>
-              <a:t>Flutter Ecosystem Committee</a:t>
-            </a:r>
             <a:endParaRPr kumimoji="1" lang="zh-CN" altLang="en-US" dirty="0"/>
           </a:p>
         </p:txBody>
@@ -9476,20 +9324,116 @@
           <a:bodyPr/>
           <a:lstStyle/>
           <a:p>
-            <a:r>
-              <a:rPr lang="en" altLang="zh-CN" dirty="0"/>
-              <a:t>The Flutter Ecosystem Committee (FEC) is comprised of Flutter team members and Flutter community members spread across its ecosystem. </a:t>
-            </a:r>
-          </a:p>
-          <a:p>
-            <a:r>
-              <a:rPr lang="en" altLang="zh-CN" dirty="0"/>
-              <a:t>One of the their jobs is to decide when a package has met the quality bar to become a Flutter Favorite.</a:t>
-            </a:r>
-            <a:endParaRPr kumimoji="1" lang="zh-CN" altLang="en-US" dirty="0"/>
+            <a:pPr marL="114300" indent="0">
+              <a:buNone/>
+            </a:pPr>
+            <a:r>
+              <a:rPr lang="en" altLang="zh-CN" dirty="0"/>
+              <a:t>Step 3: Binding to native code</a:t>
+            </a:r>
+          </a:p>
+          <a:p>
+            <a:r>
+              <a:rPr lang="en" altLang="zh-CN" dirty="0"/>
+              <a:t>To use the native code, bindings in Dart are needed.</a:t>
+            </a:r>
+          </a:p>
+          <a:p>
+            <a:endParaRPr lang="en" altLang="zh-CN" dirty="0"/>
+          </a:p>
+          <a:p>
+            <a:pPr marL="114300" indent="0">
+              <a:buNone/>
+            </a:pPr>
+            <a:endParaRPr lang="en" altLang="zh-CN" dirty="0"/>
+          </a:p>
+          <a:p>
+            <a:pPr marL="114300" indent="0">
+              <a:buNone/>
+            </a:pPr>
+            <a:r>
+              <a:rPr lang="en" altLang="zh-CN" dirty="0"/>
+              <a:t>Step 4: Invoking native code</a:t>
+            </a:r>
+          </a:p>
+          <a:p>
+            <a:r>
+              <a:rPr lang="en" altLang="zh-CN" dirty="0"/>
+              <a:t>Very short-running native functions can be directly invoked from any isolate. For an example, see sum in lib/</a:t>
+            </a:r>
+            <a:r>
+              <a:rPr lang="en" altLang="zh-CN" dirty="0" err="1"/>
+              <a:t>hello.dart</a:t>
+            </a:r>
+            <a:r>
+              <a:rPr lang="en" altLang="zh-CN" dirty="0"/>
+              <a:t>.</a:t>
+            </a:r>
+          </a:p>
+          <a:p>
+            <a:r>
+              <a:rPr lang="en" altLang="zh-CN" dirty="0"/>
+              <a:t>Longer-running functions should be invoked on a </a:t>
+            </a:r>
+            <a:r>
+              <a:rPr lang="en" altLang="zh-CN" dirty="0">
+                <a:hlinkClick r:id="rId2"/>
+              </a:rPr>
+              <a:t>helper isolate</a:t>
+            </a:r>
+            <a:r>
+              <a:rPr lang="en" altLang="zh-CN" dirty="0"/>
+              <a:t> to avoid dropping frames in Flutter applications. For an example, see </a:t>
+            </a:r>
+            <a:r>
+              <a:rPr lang="en" altLang="zh-CN" dirty="0" err="1"/>
+              <a:t>sumAsync</a:t>
+            </a:r>
+            <a:r>
+              <a:rPr lang="en" altLang="zh-CN" dirty="0"/>
+              <a:t> in lib/</a:t>
+            </a:r>
+            <a:r>
+              <a:rPr lang="en" altLang="zh-CN" dirty="0" err="1"/>
+              <a:t>hello.dart</a:t>
+            </a:r>
+            <a:r>
+              <a:rPr lang="en" altLang="zh-CN" dirty="0"/>
+              <a:t>.</a:t>
+            </a:r>
           </a:p>
         </p:txBody>
       </p:sp>
+      <p:pic>
+        <p:nvPicPr>
+          <p:cNvPr id="4" name="图片 3">
+            <a:extLst>
+              <a:ext uri="{FF2B5EF4-FFF2-40B4-BE49-F238E27FC236}">
+                <a16:creationId xmlns:a16="http://schemas.microsoft.com/office/drawing/2014/main" id="{E570E693-F7D4-79ED-BE56-B70B2AFB1700}"/>
+              </a:ext>
+            </a:extLst>
+          </p:cNvPr>
+          <p:cNvPicPr>
+            <a:picLocks noChangeAspect="1"/>
+          </p:cNvPicPr>
+          <p:nvPr/>
+        </p:nvPicPr>
+        <p:blipFill>
+          <a:blip r:embed="rId3"/>
+          <a:stretch>
+            <a:fillRect/>
+          </a:stretch>
+        </p:blipFill>
+        <p:spPr>
+          <a:xfrm>
+            <a:off x="1579626" y="2160524"/>
+            <a:ext cx="4686300" cy="431800"/>
+          </a:xfrm>
+          <a:prstGeom prst="rect">
+            <a:avLst/>
+          </a:prstGeom>
+        </p:spPr>
+      </p:pic>
     </p:spTree>
     <p:extLst>
       <p:ext uri="{BB962C8B-B14F-4D97-AF65-F5344CB8AC3E}">
@@ -9503,7 +9447,7 @@
 </p:sld>
 </file>
 
-<file path=ppt/slides/slide35.xml><?xml version="1.0" encoding="utf-8"?>
+<file path=ppt/slides/slide34.xml><?xml version="1.0" encoding="utf-8"?>
 <p:sld xmlns:a="http://schemas.openxmlformats.org/drawingml/2006/main" xmlns:r="http://schemas.openxmlformats.org/officeDocument/2006/relationships" xmlns:p="http://schemas.openxmlformats.org/presentationml/2006/main">
   <p:cSld>
     <p:spTree>
@@ -9543,7 +9487,7 @@
           <a:p>
             <a:r>
               <a:rPr lang="en" altLang="zh-CN" dirty="0"/>
-              <a:t>What’s next</a:t>
+              <a:t>Adding documentation</a:t>
             </a:r>
           </a:p>
         </p:txBody>
@@ -9569,51 +9513,62 @@
           <a:bodyPr/>
           <a:lstStyle/>
           <a:p>
-            <a:r>
-              <a:rPr lang="en" altLang="zh-CN" dirty="0"/>
-              <a:t>Use of the new </a:t>
+            <a:pPr marL="114300" indent="0">
+              <a:buNone/>
+            </a:pPr>
+            <a:r>
+              <a:rPr lang="en" altLang="zh-CN" dirty="0"/>
+              <a:t>It is recommended practice to add the following documentation to all packages:</a:t>
+            </a:r>
+          </a:p>
+          <a:p>
+            <a:r>
+              <a:rPr lang="en" altLang="zh-CN" dirty="0"/>
+              <a:t>A </a:t>
+            </a:r>
+            <a:r>
+              <a:rPr lang="en" altLang="zh-CN" dirty="0" err="1"/>
+              <a:t>README.md</a:t>
+            </a:r>
+            <a:r>
+              <a:rPr lang="en" altLang="zh-CN" dirty="0"/>
+              <a:t> file that introduces the package</a:t>
+            </a:r>
+          </a:p>
+          <a:p>
+            <a:r>
+              <a:rPr lang="en" altLang="zh-CN" dirty="0"/>
+              <a:t>A </a:t>
+            </a:r>
+            <a:r>
+              <a:rPr lang="en" altLang="zh-CN" dirty="0" err="1"/>
+              <a:t>CHANGELOG.md</a:t>
+            </a:r>
+            <a:r>
+              <a:rPr lang="en" altLang="zh-CN" dirty="0"/>
+              <a:t> file that documents changes in each version</a:t>
+            </a:r>
+          </a:p>
+          <a:p>
+            <a:r>
+              <a:rPr lang="en" altLang="zh-CN" dirty="0"/>
+              <a:t>A </a:t>
             </a:r>
             <a:r>
               <a:rPr lang="en" altLang="zh-CN" dirty="0">
                 <a:hlinkClick r:id="rId2"/>
               </a:rPr>
-              <a:t>pubspec.yaml format</a:t>
-            </a:r>
-            <a:r>
-              <a:rPr lang="en" altLang="zh-CN" dirty="0"/>
-              <a:t> that clearly indicates which platforms are supported.</a:t>
-            </a:r>
-          </a:p>
-          <a:p>
-            <a:r>
-              <a:rPr lang="en" altLang="zh-CN" dirty="0"/>
-              <a:t>Support for the latest stable version of Flutter.</a:t>
-            </a:r>
-          </a:p>
-          <a:p>
-            <a:r>
-              <a:rPr lang="en" altLang="zh-CN" dirty="0"/>
-              <a:t>Support for </a:t>
-            </a:r>
-            <a:r>
-              <a:rPr lang="en" altLang="zh-CN" dirty="0" err="1"/>
-              <a:t>AndroidX</a:t>
-            </a:r>
-            <a:r>
-              <a:rPr lang="en" altLang="zh-CN" dirty="0"/>
-              <a:t>.</a:t>
-            </a:r>
-          </a:p>
-          <a:p>
-            <a:r>
-              <a:rPr lang="en" altLang="zh-CN" dirty="0"/>
-              <a:t>Support for multiple platforms, such as web, macOS, Windows, Linux, etc.</a:t>
-            </a:r>
-          </a:p>
-          <a:p>
-            <a:r>
-              <a:rPr lang="en" altLang="zh-CN" dirty="0"/>
-              <a:t>Integration as well as unit test coverage.</a:t>
+              <a:t>LICENSE</a:t>
+            </a:r>
+            <a:r>
+              <a:rPr lang="en" altLang="zh-CN" dirty="0"/>
+              <a:t> file containing the terms under which the package is licensed</a:t>
+            </a:r>
+          </a:p>
+          <a:p>
+            <a:r>
+              <a:rPr lang="en" altLang="zh-CN" dirty="0"/>
+              <a:t>API documentation for all public APIs</a:t>
             </a:r>
           </a:p>
         </p:txBody>
@@ -9622,6 +9577,208 @@
     <p:extLst>
       <p:ext uri="{BB962C8B-B14F-4D97-AF65-F5344CB8AC3E}">
         <p14:creationId xmlns:p14="http://schemas.microsoft.com/office/powerpoint/2010/main" val="3668932507"/>
+      </p:ext>
+    </p:extLst>
+  </p:cSld>
+  <p:clrMapOvr>
+    <a:masterClrMapping/>
+  </p:clrMapOvr>
+</p:sld>
+</file>
+
+<file path=ppt/slides/slide35.xml><?xml version="1.0" encoding="utf-8"?>
+<p:sld xmlns:a="http://schemas.openxmlformats.org/drawingml/2006/main" xmlns:r="http://schemas.openxmlformats.org/officeDocument/2006/relationships" xmlns:p="http://schemas.openxmlformats.org/presentationml/2006/main">
+  <p:cSld>
+    <p:spTree>
+      <p:nvGrpSpPr>
+        <p:cNvPr id="1" name=""/>
+        <p:cNvGrpSpPr/>
+        <p:nvPr/>
+      </p:nvGrpSpPr>
+      <p:grpSpPr>
+        <a:xfrm>
+          <a:off x="0" y="0"/>
+          <a:ext cx="0" cy="0"/>
+          <a:chOff x="0" y="0"/>
+          <a:chExt cx="0" cy="0"/>
+        </a:xfrm>
+      </p:grpSpPr>
+      <p:sp>
+        <p:nvSpPr>
+          <p:cNvPr id="2" name="标题 1">
+            <a:extLst>
+              <a:ext uri="{FF2B5EF4-FFF2-40B4-BE49-F238E27FC236}">
+                <a16:creationId xmlns:a16="http://schemas.microsoft.com/office/drawing/2014/main" id="{B5D20A24-6395-A549-86B5-FB1C0B37255F}"/>
+              </a:ext>
+            </a:extLst>
+          </p:cNvPr>
+          <p:cNvSpPr>
+            <a:spLocks noGrp="1"/>
+          </p:cNvSpPr>
+          <p:nvPr>
+            <p:ph type="title"/>
+          </p:nvPr>
+        </p:nvSpPr>
+        <p:spPr/>
+        <p:txBody>
+          <a:bodyPr/>
+          <a:lstStyle/>
+          <a:p>
+            <a:r>
+              <a:rPr lang="en" altLang="zh-CN" dirty="0"/>
+              <a:t>Publishing your package</a:t>
+            </a:r>
+            <a:endParaRPr kumimoji="1" lang="zh-CN" altLang="en-US" dirty="0"/>
+          </a:p>
+        </p:txBody>
+      </p:sp>
+      <p:sp>
+        <p:nvSpPr>
+          <p:cNvPr id="3" name="文本占位符 2">
+            <a:extLst>
+              <a:ext uri="{FF2B5EF4-FFF2-40B4-BE49-F238E27FC236}">
+                <a16:creationId xmlns:a16="http://schemas.microsoft.com/office/drawing/2014/main" id="{B79EC2FA-E3F8-DC40-A088-6F92339A88BE}"/>
+              </a:ext>
+            </a:extLst>
+          </p:cNvPr>
+          <p:cNvSpPr>
+            <a:spLocks noGrp="1"/>
+          </p:cNvSpPr>
+          <p:nvPr>
+            <p:ph type="body" idx="1"/>
+          </p:nvPr>
+        </p:nvSpPr>
+        <p:spPr/>
+        <p:txBody>
+          <a:bodyPr/>
+          <a:lstStyle/>
+          <a:p>
+            <a:r>
+              <a:rPr lang="en" altLang="zh-CN" dirty="0"/>
+              <a:t>Once you have implemented a package, you can publish it on </a:t>
+            </a:r>
+            <a:r>
+              <a:rPr lang="en" altLang="zh-CN" dirty="0">
+                <a:hlinkClick r:id="rId2"/>
+              </a:rPr>
+              <a:t>pub.dev</a:t>
+            </a:r>
+            <a:r>
+              <a:rPr lang="en" altLang="zh-CN" dirty="0"/>
+              <a:t>, so that other developers can easily use it.</a:t>
+            </a:r>
+          </a:p>
+          <a:p>
+            <a:pPr lvl="1"/>
+            <a:r>
+              <a:rPr lang="en" altLang="zh-CN" dirty="0"/>
+              <a:t>Prior to publishing, make sure to review the </a:t>
+            </a:r>
+            <a:r>
+              <a:rPr lang="en" altLang="zh-CN" dirty="0" err="1">
+                <a:solidFill>
+                  <a:schemeClr val="accent4"/>
+                </a:solidFill>
+              </a:rPr>
+              <a:t>pubspec.yaml</a:t>
+            </a:r>
+            <a:r>
+              <a:rPr lang="en" altLang="zh-CN" dirty="0"/>
+              <a:t>, </a:t>
+            </a:r>
+            <a:r>
+              <a:rPr lang="en" altLang="zh-CN" dirty="0" err="1">
+                <a:solidFill>
+                  <a:schemeClr val="accent4"/>
+                </a:solidFill>
+              </a:rPr>
+              <a:t>README.md</a:t>
+            </a:r>
+            <a:r>
+              <a:rPr lang="en" altLang="zh-CN" dirty="0"/>
+              <a:t>, and </a:t>
+            </a:r>
+            <a:r>
+              <a:rPr lang="en" altLang="zh-CN" dirty="0" err="1">
+                <a:solidFill>
+                  <a:schemeClr val="accent4"/>
+                </a:solidFill>
+              </a:rPr>
+              <a:t>CHANGELOG.md</a:t>
+            </a:r>
+            <a:r>
+              <a:rPr lang="en" altLang="zh-CN" dirty="0">
+                <a:solidFill>
+                  <a:schemeClr val="accent4"/>
+                </a:solidFill>
+              </a:rPr>
+              <a:t> </a:t>
+            </a:r>
+            <a:r>
+              <a:rPr lang="en" altLang="zh-CN" dirty="0"/>
+              <a:t>files to make sure their content is complete and correct. </a:t>
+            </a:r>
+          </a:p>
+          <a:p>
+            <a:pPr lvl="1"/>
+            <a:r>
+              <a:rPr lang="en" altLang="zh-CN" dirty="0"/>
+              <a:t>Next, run the publish command in dry-run mode to see if everything passes analysis:</a:t>
+            </a:r>
+          </a:p>
+          <a:p>
+            <a:pPr lvl="2"/>
+            <a:r>
+              <a:rPr lang="en" altLang="zh-CN" dirty="0">
+                <a:solidFill>
+                  <a:schemeClr val="accent4"/>
+                </a:solidFill>
+              </a:rPr>
+              <a:t>flutter pub publish --dry-run</a:t>
+            </a:r>
+          </a:p>
+          <a:p>
+            <a:pPr lvl="1"/>
+            <a:r>
+              <a:rPr lang="en" altLang="zh-CN" dirty="0"/>
+              <a:t>The next step is publishing to </a:t>
+            </a:r>
+            <a:r>
+              <a:rPr lang="en" altLang="zh-CN" dirty="0" err="1"/>
+              <a:t>pub.dev</a:t>
+            </a:r>
+            <a:r>
+              <a:rPr lang="en" altLang="zh-CN" dirty="0"/>
+              <a:t>, but be sure that you are ready because </a:t>
+            </a:r>
+            <a:r>
+              <a:rPr lang="en" altLang="zh-CN" dirty="0">
+                <a:hlinkClick r:id="rId3"/>
+              </a:rPr>
+              <a:t>publishing is forever</a:t>
+            </a:r>
+            <a:r>
+              <a:rPr lang="en" altLang="zh-CN" dirty="0"/>
+              <a:t>:</a:t>
+            </a:r>
+          </a:p>
+          <a:p>
+            <a:pPr lvl="2"/>
+            <a:r>
+              <a:rPr lang="en" altLang="zh-CN" dirty="0">
+                <a:solidFill>
+                  <a:schemeClr val="accent4"/>
+                </a:solidFill>
+              </a:rPr>
+              <a:t>flutter pub publish</a:t>
+            </a:r>
+          </a:p>
+        </p:txBody>
+      </p:sp>
+    </p:spTree>
+    <p:extLst>
+      <p:ext uri="{BB962C8B-B14F-4D97-AF65-F5344CB8AC3E}">
+        <p14:creationId xmlns:p14="http://schemas.microsoft.com/office/powerpoint/2010/main" val="3301206545"/>
       </p:ext>
     </p:extLst>
   </p:cSld>
@@ -10370,7 +10527,7 @@
             <a:r>
               <a:rPr lang="en" altLang="zh-CN" dirty="0" err="1">
                 <a:solidFill>
-                  <a:srgbClr val="8A3FFC"/>
+                  <a:srgbClr val="FF0000"/>
                 </a:solidFill>
               </a:rPr>
               <a:t>some_package</a:t>
@@ -10378,7 +10535,7 @@
             <a:r>
               <a:rPr lang="en" altLang="zh-CN" dirty="0">
                 <a:solidFill>
-                  <a:srgbClr val="8A3FFC"/>
+                  <a:srgbClr val="FF0000"/>
                 </a:solidFill>
               </a:rPr>
               <a:t> </a:t>
@@ -10390,7 +10547,7 @@
             <a:r>
               <a:rPr lang="en" altLang="zh-CN" dirty="0" err="1">
                 <a:solidFill>
-                  <a:srgbClr val="8A3FFC"/>
+                  <a:srgbClr val="FF0000"/>
                 </a:solidFill>
               </a:rPr>
               <a:t>another_package</a:t>
@@ -10398,7 +10555,7 @@
             <a:r>
               <a:rPr lang="en" altLang="zh-CN" dirty="0">
                 <a:solidFill>
-                  <a:srgbClr val="8A3FFC"/>
+                  <a:srgbClr val="FF0000"/>
                 </a:solidFill>
               </a:rPr>
               <a:t> </a:t>
@@ -10410,7 +10567,7 @@
             <a:r>
               <a:rPr lang="en" altLang="zh-CN" dirty="0" err="1">
                 <a:solidFill>
-                  <a:srgbClr val="8A3FFC"/>
+                  <a:srgbClr val="FF0000"/>
                 </a:solidFill>
               </a:rPr>
               <a:t>url_launcher</a:t>

--- a/Lecture/C06 Packages_Plugins.pptx
+++ b/Lecture/C06 Packages_Plugins.pptx
@@ -8491,7 +8491,9 @@
             <a:r>
               <a:rPr lang="en" altLang="zh-CN" dirty="0" err="1">
                 <a:solidFill>
-                  <a:schemeClr val="accent4"/>
+                  <a:schemeClr val="accent5">
+                    <a:lumMod val="75000"/>
+                  </a:schemeClr>
                 </a:solidFill>
               </a:rPr>
               <a:t>README.md</a:t>
@@ -8499,7 +8501,9 @@
             <a:r>
               <a:rPr lang="en" altLang="zh-CN" dirty="0">
                 <a:solidFill>
-                  <a:schemeClr val="accent4"/>
+                  <a:schemeClr val="accent5">
+                    <a:lumMod val="75000"/>
+                  </a:schemeClr>
                 </a:solidFill>
               </a:rPr>
               <a:t> </a:t>
@@ -8517,7 +8521,9 @@
             <a:r>
               <a:rPr lang="en" altLang="zh-CN" dirty="0" err="1">
                 <a:solidFill>
-                  <a:schemeClr val="accent4"/>
+                  <a:schemeClr val="accent5">
+                    <a:lumMod val="75000"/>
+                  </a:schemeClr>
                 </a:solidFill>
               </a:rPr>
               <a:t>CHANGELOG.md</a:t>
@@ -8525,7 +8531,9 @@
             <a:r>
               <a:rPr lang="en" altLang="zh-CN" dirty="0">
                 <a:solidFill>
-                  <a:schemeClr val="accent4"/>
+                  <a:schemeClr val="accent5">
+                    <a:lumMod val="75000"/>
+                  </a:schemeClr>
                 </a:solidFill>
               </a:rPr>
               <a:t> </a:t>
@@ -8542,7 +8550,18 @@
             </a:r>
             <a:r>
               <a:rPr lang="en" altLang="zh-CN" dirty="0">
-                <a:hlinkClick r:id="rId2"/>
+                <a:solidFill>
+                  <a:schemeClr val="accent5">
+                    <a:lumMod val="75000"/>
+                  </a:schemeClr>
+                </a:solidFill>
+                <a:hlinkClick r:id="rId2">
+                  <a:extLst>
+                    <a:ext uri="{A12FA001-AC4F-418D-AE19-62706E023703}">
+                      <ahyp:hlinkClr xmlns:ahyp="http://schemas.microsoft.com/office/drawing/2018/hyperlinkcolor" val="tx"/>
+                    </a:ext>
+                  </a:extLst>
+                </a:hlinkClick>
               </a:rPr>
               <a:t>LICENSE</a:t>
             </a:r>
@@ -8658,16 +8677,6 @@
               <a:t>Developing packages &amp; plugins</a:t>
             </a:r>
           </a:p>
-          <a:p>
-            <a:r>
-              <a:rPr lang="en" altLang="zh-CN" sz="2400" dirty="0">
-                <a:solidFill>
-                  <a:schemeClr val="accent4"/>
-                </a:solidFill>
-              </a:rPr>
-              <a:t>Flutter Favorites program</a:t>
-            </a:r>
-          </a:p>
         </p:txBody>
       </p:sp>
       <p:sp>
@@ -8733,7 +8742,7 @@
         </p:blipFill>
         <p:spPr>
           <a:xfrm>
-            <a:off x="1338580" y="2640492"/>
+            <a:off x="1256284" y="2428417"/>
             <a:ext cx="3810319" cy="2140458"/>
           </a:xfrm>
           <a:prstGeom prst="rect">
@@ -9527,12 +9536,28 @@
               <a:t>A </a:t>
             </a:r>
             <a:r>
-              <a:rPr lang="en" altLang="zh-CN" dirty="0" err="1"/>
+              <a:rPr lang="en" altLang="zh-CN" dirty="0" err="1">
+                <a:solidFill>
+                  <a:schemeClr val="accent5">
+                    <a:lumMod val="75000"/>
+                  </a:schemeClr>
+                </a:solidFill>
+              </a:rPr>
               <a:t>README.md</a:t>
             </a:r>
             <a:r>
-              <a:rPr lang="en" altLang="zh-CN" dirty="0"/>
-              <a:t> file that introduces the package</a:t>
+              <a:rPr lang="en" altLang="zh-CN" dirty="0">
+                <a:solidFill>
+                  <a:schemeClr val="accent5">
+                    <a:lumMod val="75000"/>
+                  </a:schemeClr>
+                </a:solidFill>
+              </a:rPr>
+              <a:t> </a:t>
+            </a:r>
+            <a:r>
+              <a:rPr lang="en" altLang="zh-CN" dirty="0"/>
+              <a:t>file that introduces the package</a:t>
             </a:r>
           </a:p>
           <a:p>
@@ -9541,12 +9566,28 @@
               <a:t>A </a:t>
             </a:r>
             <a:r>
-              <a:rPr lang="en" altLang="zh-CN" dirty="0" err="1"/>
+              <a:rPr lang="en" altLang="zh-CN" dirty="0" err="1">
+                <a:solidFill>
+                  <a:schemeClr val="accent5">
+                    <a:lumMod val="75000"/>
+                  </a:schemeClr>
+                </a:solidFill>
+              </a:rPr>
               <a:t>CHANGELOG.md</a:t>
             </a:r>
             <a:r>
-              <a:rPr lang="en" altLang="zh-CN" dirty="0"/>
-              <a:t> file that documents changes in each version</a:t>
+              <a:rPr lang="en" altLang="zh-CN" dirty="0">
+                <a:solidFill>
+                  <a:schemeClr val="accent5">
+                    <a:lumMod val="75000"/>
+                  </a:schemeClr>
+                </a:solidFill>
+              </a:rPr>
+              <a:t> </a:t>
+            </a:r>
+            <a:r>
+              <a:rPr lang="en" altLang="zh-CN" dirty="0"/>
+              <a:t>file that documents changes in each version</a:t>
             </a:r>
           </a:p>
           <a:p>
@@ -9556,7 +9597,18 @@
             </a:r>
             <a:r>
               <a:rPr lang="en" altLang="zh-CN" dirty="0">
-                <a:hlinkClick r:id="rId2"/>
+                <a:solidFill>
+                  <a:schemeClr val="accent5">
+                    <a:lumMod val="75000"/>
+                  </a:schemeClr>
+                </a:solidFill>
+                <a:hlinkClick r:id="rId2">
+                  <a:extLst>
+                    <a:ext uri="{A12FA001-AC4F-418D-AE19-62706E023703}">
+                      <ahyp:hlinkClr xmlns:ahyp="http://schemas.microsoft.com/office/drawing/2018/hyperlinkcolor" val="tx"/>
+                    </a:ext>
+                  </a:extLst>
+                </a:hlinkClick>
               </a:rPr>
               <a:t>LICENSE</a:t>
             </a:r>
